--- a/Dokumente/Abschlussdemo_Bibtex_Konverter.pptx
+++ b/Dokumente/Abschlussdemo_Bibtex_Konverter.pptx
@@ -5,7 +5,7 @@
     <p:sldMasterId id="2147483712" r:id="rId1"/>
   </p:sldMasterIdLst>
   <p:notesMasterIdLst>
-    <p:notesMasterId r:id="rId10"/>
+    <p:notesMasterId r:id="rId11"/>
   </p:notesMasterIdLst>
   <p:sldIdLst>
     <p:sldId id="256" r:id="rId2"/>
@@ -13,9 +13,10 @@
     <p:sldId id="258" r:id="rId4"/>
     <p:sldId id="259" r:id="rId5"/>
     <p:sldId id="262" r:id="rId6"/>
-    <p:sldId id="261" r:id="rId7"/>
-    <p:sldId id="260" r:id="rId8"/>
-    <p:sldId id="263" r:id="rId9"/>
+    <p:sldId id="266" r:id="rId7"/>
+    <p:sldId id="261" r:id="rId8"/>
+    <p:sldId id="260" r:id="rId9"/>
+    <p:sldId id="263" r:id="rId10"/>
   </p:sldIdLst>
   <p:sldSz cx="12192000" cy="6858000"/>
   <p:notesSz cx="6858000" cy="9144000"/>
@@ -1492,12 +1493,12 @@
         </a:fontRef>
       </dsp:style>
       <dsp:txBody>
-        <a:bodyPr spcFirstLastPara="0" vert="horz" wrap="square" lIns="72009" tIns="24003" rIns="24003" bIns="24003" numCol="1" spcCol="1270" anchor="ctr" anchorCtr="0">
+        <a:bodyPr spcFirstLastPara="0" vert="horz" wrap="square" lIns="68009" tIns="22670" rIns="22670" bIns="22670" numCol="1" spcCol="1270" anchor="ctr" anchorCtr="0">
           <a:noAutofit/>
         </a:bodyPr>
         <a:lstStyle/>
         <a:p>
-          <a:pPr marL="0" lvl="0" indent="0" algn="ctr" defTabSz="800100">
+          <a:pPr marL="0" lvl="0" indent="0" algn="ctr" defTabSz="755650">
             <a:lnSpc>
               <a:spcPct val="90000"/>
             </a:lnSpc>
@@ -1510,7 +1511,7 @@
             <a:buNone/>
           </a:pPr>
           <a:r>
-            <a:rPr lang="de-DE" sz="1800" b="1" kern="1200" dirty="0">
+            <a:rPr lang="de-DE" sz="1700" b="1" kern="1200" dirty="0">
               <a:solidFill>
                 <a:schemeClr val="tx1"/>
               </a:solidFill>
@@ -1569,12 +1570,12 @@
         </a:fontRef>
       </dsp:style>
       <dsp:txBody>
-        <a:bodyPr spcFirstLastPara="0" vert="horz" wrap="square" lIns="72009" tIns="24003" rIns="24003" bIns="24003" numCol="1" spcCol="1270" anchor="ctr" anchorCtr="0">
+        <a:bodyPr spcFirstLastPara="0" vert="horz" wrap="square" lIns="68009" tIns="22670" rIns="22670" bIns="22670" numCol="1" spcCol="1270" anchor="ctr" anchorCtr="0">
           <a:noAutofit/>
         </a:bodyPr>
         <a:lstStyle/>
         <a:p>
-          <a:pPr marL="0" lvl="0" indent="0" algn="ctr" defTabSz="800100">
+          <a:pPr marL="0" lvl="0" indent="0" algn="ctr" defTabSz="755650">
             <a:lnSpc>
               <a:spcPct val="90000"/>
             </a:lnSpc>
@@ -1587,7 +1588,7 @@
             <a:buNone/>
           </a:pPr>
           <a:r>
-            <a:rPr lang="de-DE" sz="1800" b="1" kern="1200" dirty="0">
+            <a:rPr lang="de-DE" sz="1700" b="1" kern="1200" dirty="0">
               <a:solidFill>
                 <a:schemeClr val="tx1"/>
               </a:solidFill>
@@ -1649,12 +1650,12 @@
         </a:fontRef>
       </dsp:style>
       <dsp:txBody>
-        <a:bodyPr spcFirstLastPara="0" vert="horz" wrap="square" lIns="72009" tIns="24003" rIns="24003" bIns="24003" numCol="1" spcCol="1270" anchor="ctr" anchorCtr="0">
+        <a:bodyPr spcFirstLastPara="0" vert="horz" wrap="square" lIns="68009" tIns="22670" rIns="22670" bIns="22670" numCol="1" spcCol="1270" anchor="ctr" anchorCtr="0">
           <a:noAutofit/>
         </a:bodyPr>
         <a:lstStyle/>
         <a:p>
-          <a:pPr marL="0" lvl="0" indent="0" algn="ctr" defTabSz="800100">
+          <a:pPr marL="0" lvl="0" indent="0" algn="ctr" defTabSz="755650">
             <a:lnSpc>
               <a:spcPct val="90000"/>
             </a:lnSpc>
@@ -1667,14 +1668,14 @@
             <a:buNone/>
           </a:pPr>
           <a:r>
-            <a:rPr lang="de-DE" sz="1800" b="1" kern="1200" dirty="0" err="1">
+            <a:rPr lang="de-DE" sz="1700" b="1" kern="1200" dirty="0" err="1">
               <a:solidFill>
                 <a:schemeClr val="tx1"/>
               </a:solidFill>
             </a:rPr>
             <a:t>RegEx</a:t>
           </a:r>
-          <a:endParaRPr lang="de-DE" sz="1800" b="1" kern="1200" dirty="0">
+          <a:endParaRPr lang="de-DE" sz="1700" b="1" kern="1200" dirty="0">
             <a:solidFill>
               <a:schemeClr val="tx1"/>
             </a:solidFill>
@@ -1731,12 +1732,12 @@
         </a:fontRef>
       </dsp:style>
       <dsp:txBody>
-        <a:bodyPr spcFirstLastPara="0" vert="horz" wrap="square" lIns="72009" tIns="24003" rIns="24003" bIns="24003" numCol="1" spcCol="1270" anchor="ctr" anchorCtr="0">
+        <a:bodyPr spcFirstLastPara="0" vert="horz" wrap="square" lIns="68009" tIns="22670" rIns="22670" bIns="22670" numCol="1" spcCol="1270" anchor="ctr" anchorCtr="0">
           <a:noAutofit/>
         </a:bodyPr>
         <a:lstStyle/>
         <a:p>
-          <a:pPr marL="0" lvl="0" indent="0" algn="ctr" defTabSz="800100">
+          <a:pPr marL="0" lvl="0" indent="0" algn="ctr" defTabSz="755650">
             <a:lnSpc>
               <a:spcPct val="90000"/>
             </a:lnSpc>
@@ -1749,7 +1750,7 @@
             <a:buNone/>
           </a:pPr>
           <a:r>
-            <a:rPr lang="de-DE" sz="1800" b="1" kern="1200" dirty="0">
+            <a:rPr lang="de-DE" sz="1700" b="1" kern="1200" dirty="0">
               <a:solidFill>
                 <a:schemeClr val="tx1"/>
               </a:solidFill>
@@ -1811,12 +1812,12 @@
         </a:fontRef>
       </dsp:style>
       <dsp:txBody>
-        <a:bodyPr spcFirstLastPara="0" vert="horz" wrap="square" lIns="72009" tIns="24003" rIns="24003" bIns="24003" numCol="1" spcCol="1270" anchor="ctr" anchorCtr="0">
+        <a:bodyPr spcFirstLastPara="0" vert="horz" wrap="square" lIns="68009" tIns="22670" rIns="22670" bIns="22670" numCol="1" spcCol="1270" anchor="ctr" anchorCtr="0">
           <a:noAutofit/>
         </a:bodyPr>
         <a:lstStyle/>
         <a:p>
-          <a:pPr marL="0" lvl="0" indent="0" algn="ctr" defTabSz="800100">
+          <a:pPr marL="0" lvl="0" indent="0" algn="ctr" defTabSz="755650">
             <a:lnSpc>
               <a:spcPct val="90000"/>
             </a:lnSpc>
@@ -1829,7 +1830,7 @@
             <a:buNone/>
           </a:pPr>
           <a:r>
-            <a:rPr lang="de-DE" sz="1800" b="1" kern="1200" dirty="0">
+            <a:rPr lang="de-DE" sz="1700" b="1" kern="1200" dirty="0">
               <a:solidFill>
                 <a:schemeClr val="tx1"/>
               </a:solidFill>
@@ -3246,7 +3247,7 @@
           <a:p>
             <a:fld id="{710F1C6C-D8CC-F94D-BF45-CAC98A227763}" type="datetimeFigureOut">
               <a:rPr lang="de-DE" smtClean="0"/>
-              <a:t>13.06.2024</a:t>
+              <a:t>16.07.24</a:t>
             </a:fld>
             <a:endParaRPr lang="de-DE"/>
           </a:p>
@@ -3578,7 +3579,7 @@
           <a:p>
             <a:fld id="{4F9437DF-A6EC-EE42-80A6-71063A224058}" type="slidenum">
               <a:rPr lang="de-DE" smtClean="0"/>
-              <a:t>6</a:t>
+              <a:t>5</a:t>
             </a:fld>
             <a:endParaRPr lang="de-DE"/>
           </a:p>
@@ -3587,7 +3588,7 @@
     </p:spTree>
     <p:extLst>
       <p:ext uri="{BB962C8B-B14F-4D97-AF65-F5344CB8AC3E}">
-        <p14:creationId xmlns:p14="http://schemas.microsoft.com/office/powerpoint/2010/main" val="2739640513"/>
+        <p14:creationId xmlns:p14="http://schemas.microsoft.com/office/powerpoint/2010/main" val="920356988"/>
       </p:ext>
     </p:extLst>
   </p:cSld>
@@ -3663,6 +3664,90 @@
             <a:fld id="{4F9437DF-A6EC-EE42-80A6-71063A224058}" type="slidenum">
               <a:rPr lang="de-DE" smtClean="0"/>
               <a:t>7</a:t>
+            </a:fld>
+            <a:endParaRPr lang="de-DE"/>
+          </a:p>
+        </p:txBody>
+      </p:sp>
+    </p:spTree>
+    <p:extLst>
+      <p:ext uri="{BB962C8B-B14F-4D97-AF65-F5344CB8AC3E}">
+        <p14:creationId xmlns:p14="http://schemas.microsoft.com/office/powerpoint/2010/main" val="2739640513"/>
+      </p:ext>
+    </p:extLst>
+  </p:cSld>
+  <p:clrMapOvr>
+    <a:masterClrMapping/>
+  </p:clrMapOvr>
+</p:notes>
+</file>
+
+<file path=ppt/notesSlides/notesSlide3.xml><?xml version="1.0" encoding="utf-8"?>
+<p:notes xmlns:a="http://schemas.openxmlformats.org/drawingml/2006/main" xmlns:r="http://schemas.openxmlformats.org/officeDocument/2006/relationships" xmlns:p="http://schemas.openxmlformats.org/presentationml/2006/main">
+  <p:cSld>
+    <p:spTree>
+      <p:nvGrpSpPr>
+        <p:cNvPr id="1" name=""/>
+        <p:cNvGrpSpPr/>
+        <p:nvPr/>
+      </p:nvGrpSpPr>
+      <p:grpSpPr>
+        <a:xfrm>
+          <a:off x="0" y="0"/>
+          <a:ext cx="0" cy="0"/>
+          <a:chOff x="0" y="0"/>
+          <a:chExt cx="0" cy="0"/>
+        </a:xfrm>
+      </p:grpSpPr>
+      <p:sp>
+        <p:nvSpPr>
+          <p:cNvPr id="2" name="Folienbildplatzhalter 1"/>
+          <p:cNvSpPr>
+            <a:spLocks noGrp="1" noRot="1" noChangeAspect="1"/>
+          </p:cNvSpPr>
+          <p:nvPr>
+            <p:ph type="sldImg"/>
+          </p:nvPr>
+        </p:nvSpPr>
+        <p:spPr/>
+      </p:sp>
+      <p:sp>
+        <p:nvSpPr>
+          <p:cNvPr id="3" name="Notizenplatzhalter 2"/>
+          <p:cNvSpPr>
+            <a:spLocks noGrp="1"/>
+          </p:cNvSpPr>
+          <p:nvPr>
+            <p:ph type="body" idx="1"/>
+          </p:nvPr>
+        </p:nvSpPr>
+        <p:spPr/>
+        <p:txBody>
+          <a:bodyPr/>
+          <a:lstStyle/>
+          <a:p>
+            <a:endParaRPr lang="de-DE" dirty="0"/>
+          </a:p>
+        </p:txBody>
+      </p:sp>
+      <p:sp>
+        <p:nvSpPr>
+          <p:cNvPr id="4" name="Foliennummernplatzhalter 3"/>
+          <p:cNvSpPr>
+            <a:spLocks noGrp="1"/>
+          </p:cNvSpPr>
+          <p:nvPr>
+            <p:ph type="sldNum" sz="quarter" idx="5"/>
+          </p:nvPr>
+        </p:nvSpPr>
+        <p:spPr/>
+        <p:txBody>
+          <a:bodyPr/>
+          <a:lstStyle/>
+          <a:p>
+            <a:fld id="{4F9437DF-A6EC-EE42-80A6-71063A224058}" type="slidenum">
+              <a:rPr lang="de-DE" smtClean="0"/>
+              <a:t>8</a:t>
             </a:fld>
             <a:endParaRPr lang="de-DE"/>
           </a:p>
@@ -3830,11 +3915,10 @@
           <a:bodyPr/>
           <a:lstStyle/>
           <a:p>
-            <a:fld id="{1ECB5883-038C-4696-8E27-1811E470D6D4}" type="datetime1">
-              <a:rPr lang="en-US" smtClean="0"/>
-              <a:t>6/13/2024</a:t>
-            </a:fld>
-            <a:endParaRPr lang="en-US"/>
+            <a:r>
+              <a:rPr lang="en-US" dirty="0"/>
+              <a:t>18.7.2024</a:t>
+            </a:r>
           </a:p>
         </p:txBody>
       </p:sp>
@@ -4031,11 +4115,10 @@
           <a:bodyPr/>
           <a:lstStyle/>
           <a:p>
-            <a:fld id="{61E8A6D4-154B-4E4D-9001-7A6C328D243E}" type="datetime1">
-              <a:rPr lang="en-US" smtClean="0"/>
-              <a:t>6/13/2024</a:t>
-            </a:fld>
-            <a:endParaRPr lang="en-US"/>
+            <a:r>
+              <a:rPr lang="en-US" dirty="0"/>
+              <a:t>18.7.2024</a:t>
+            </a:r>
           </a:p>
         </p:txBody>
       </p:sp>
@@ -4242,11 +4325,10 @@
           <a:bodyPr/>
           <a:lstStyle/>
           <a:p>
-            <a:fld id="{EF880999-9BD6-4929-BDEC-B84E21C16701}" type="datetime1">
-              <a:rPr lang="en-US" smtClean="0"/>
-              <a:t>6/13/2024</a:t>
-            </a:fld>
-            <a:endParaRPr lang="en-US"/>
+            <a:r>
+              <a:rPr lang="en-US" dirty="0"/>
+              <a:t>18.7.2024</a:t>
+            </a:r>
           </a:p>
         </p:txBody>
       </p:sp>
@@ -4443,11 +4525,10 @@
           <a:bodyPr/>
           <a:lstStyle/>
           <a:p>
-            <a:fld id="{579F6069-8263-4296-913A-BC2234E8D32B}" type="datetime1">
-              <a:rPr lang="en-US" smtClean="0"/>
-              <a:t>6/13/2024</a:t>
-            </a:fld>
-            <a:endParaRPr lang="en-US"/>
+            <a:r>
+              <a:rPr lang="en-US" dirty="0"/>
+              <a:t>18.7.2024</a:t>
+            </a:r>
           </a:p>
         </p:txBody>
       </p:sp>
@@ -4723,11 +4804,10 @@
           <a:bodyPr/>
           <a:lstStyle/>
           <a:p>
-            <a:fld id="{BC9F5005-EC25-4FB9-B19B-2437F0B120D2}" type="datetime1">
-              <a:rPr lang="en-US" smtClean="0"/>
-              <a:t>6/13/2024</a:t>
-            </a:fld>
-            <a:endParaRPr lang="en-US"/>
+            <a:r>
+              <a:rPr lang="en-US" dirty="0"/>
+              <a:t>18.7.2024</a:t>
+            </a:r>
           </a:p>
         </p:txBody>
       </p:sp>
@@ -4991,11 +5071,10 @@
           <a:bodyPr/>
           <a:lstStyle/>
           <a:p>
-            <a:fld id="{0B283B5C-2325-42FF-AF91-C1451D9D66CC}" type="datetime1">
-              <a:rPr lang="en-US" smtClean="0"/>
-              <a:t>6/13/2024</a:t>
-            </a:fld>
-            <a:endParaRPr lang="en-US"/>
+            <a:r>
+              <a:rPr lang="en-US" dirty="0"/>
+              <a:t>18.7.2024</a:t>
+            </a:r>
           </a:p>
         </p:txBody>
       </p:sp>
@@ -5410,11 +5489,10 @@
           <a:bodyPr/>
           <a:lstStyle/>
           <a:p>
-            <a:fld id="{0F88DB08-3B01-46DD-99F2-F6F6334EA669}" type="datetime1">
-              <a:rPr lang="en-US" smtClean="0"/>
-              <a:t>6/13/2024</a:t>
-            </a:fld>
-            <a:endParaRPr lang="en-US"/>
+            <a:r>
+              <a:rPr lang="en-US" dirty="0"/>
+              <a:t>18.7.2024</a:t>
+            </a:r>
           </a:p>
         </p:txBody>
       </p:sp>
@@ -5554,11 +5632,10 @@
           <a:bodyPr/>
           <a:lstStyle/>
           <a:p>
-            <a:fld id="{5892AC11-ACC3-4129-BBD7-C580BF1A4EE7}" type="datetime1">
-              <a:rPr lang="en-US" smtClean="0"/>
-              <a:t>6/13/2024</a:t>
-            </a:fld>
-            <a:endParaRPr lang="en-US"/>
+            <a:r>
+              <a:rPr lang="en-US" dirty="0"/>
+              <a:t>18.7.2024</a:t>
+            </a:r>
           </a:p>
         </p:txBody>
       </p:sp>
@@ -5670,11 +5747,10 @@
           <a:bodyPr/>
           <a:lstStyle/>
           <a:p>
-            <a:fld id="{6D80F7F3-E406-44E2-93AF-674B3F1A2E51}" type="datetime1">
-              <a:rPr lang="en-US" smtClean="0"/>
-              <a:t>6/13/2024</a:t>
-            </a:fld>
-            <a:endParaRPr lang="en-US"/>
+            <a:r>
+              <a:rPr lang="en-US" dirty="0"/>
+              <a:t>18.7.2024</a:t>
+            </a:r>
           </a:p>
         </p:txBody>
       </p:sp>
@@ -5988,11 +6064,10 @@
           <a:bodyPr/>
           <a:lstStyle/>
           <a:p>
-            <a:fld id="{2FB1DD93-7C9D-4E53-81F0-DDE57FEA7EDB}" type="datetime1">
-              <a:rPr lang="en-US" smtClean="0"/>
-              <a:t>6/13/2024</a:t>
-            </a:fld>
-            <a:endParaRPr lang="en-US"/>
+            <a:r>
+              <a:rPr lang="en-US" dirty="0"/>
+              <a:t>18.7.2024</a:t>
+            </a:r>
           </a:p>
         </p:txBody>
       </p:sp>
@@ -6281,11 +6356,10 @@
           <a:bodyPr/>
           <a:lstStyle/>
           <a:p>
-            <a:fld id="{3DF7BC28-59DE-4F83-B4A1-497203279FAD}" type="datetime1">
-              <a:rPr lang="en-US" smtClean="0"/>
-              <a:t>6/13/2024</a:t>
-            </a:fld>
-            <a:endParaRPr lang="en-US"/>
+            <a:r>
+              <a:rPr lang="en-US" dirty="0"/>
+              <a:t>18.7.2024</a:t>
+            </a:r>
           </a:p>
         </p:txBody>
       </p:sp>
@@ -6583,7 +6657,7 @@
           <a:p>
             <a:fld id="{0BDC4764-F656-4735-9820-9886F8DF1D6A}" type="datetime1">
               <a:rPr lang="en-US" smtClean="0"/>
-              <a:t>6/13/2024</a:t>
+              <a:t>7/16/24</a:t>
             </a:fld>
             <a:endParaRPr lang="en-US" dirty="0"/>
           </a:p>
@@ -7809,9 +7883,10 @@
           <a:lstStyle/>
           <a:p>
             <a:r>
-              <a:rPr lang="de-DE" dirty="0"/>
+              <a:rPr lang="de-DE"/>
               <a:t>Erinnerung: Problemstellung</a:t>
             </a:r>
+            <a:endParaRPr lang="de-DE" dirty="0"/>
           </a:p>
         </p:txBody>
       </p:sp>
@@ -7836,11 +7911,10 @@
           <a:bodyPr/>
           <a:lstStyle/>
           <a:p>
-            <a:fld id="{579F6069-8263-4296-913A-BC2234E8D32B}" type="datetime1">
-              <a:rPr lang="en-US" smtClean="0"/>
-              <a:t>6/13/2024</a:t>
-            </a:fld>
-            <a:endParaRPr lang="en-US"/>
+            <a:r>
+              <a:rPr lang="en-US" dirty="0"/>
+              <a:t>18.7.2024</a:t>
+            </a:r>
           </a:p>
         </p:txBody>
       </p:sp>
@@ -9692,11 +9766,10 @@
           <a:bodyPr/>
           <a:lstStyle/>
           <a:p>
-            <a:fld id="{579F6069-8263-4296-913A-BC2234E8D32B}" type="datetime1">
-              <a:rPr lang="en-US" smtClean="0"/>
-              <a:t>6/13/2024</a:t>
-            </a:fld>
-            <a:endParaRPr lang="en-US"/>
+            <a:r>
+              <a:rPr lang="en-US" dirty="0"/>
+              <a:t>18.7.2024</a:t>
+            </a:r>
           </a:p>
         </p:txBody>
       </p:sp>
@@ -13301,11 +13374,10 @@
           <a:bodyPr/>
           <a:lstStyle/>
           <a:p>
-            <a:fld id="{579F6069-8263-4296-913A-BC2234E8D32B}" type="datetime1">
-              <a:rPr lang="en-US" smtClean="0"/>
-              <a:t>6/13/2024</a:t>
-            </a:fld>
-            <a:endParaRPr lang="en-US"/>
+            <a:r>
+              <a:rPr lang="en-US" dirty="0"/>
+              <a:t>18.7.2024</a:t>
+            </a:r>
           </a:p>
         </p:txBody>
       </p:sp>
@@ -14157,15 +14229,7 @@
             </a:r>
             <a:r>
               <a:rPr lang="de-DE" dirty="0"/>
-              <a:t>) </a:t>
-            </a:r>
-            <a:r>
-              <a:rPr lang="de-DE"/>
-              <a:t>spezialisiert sich auf </a:t>
-            </a:r>
-            <a:r>
-              <a:rPr lang="de-DE" dirty="0"/>
-              <a:t>das Erkennen eines Typs</a:t>
+              <a:t>) spezialisiert sich auf das Erkennen eines Typs</a:t>
             </a:r>
           </a:p>
           <a:p>
@@ -14258,7 +14322,7 @@
         <p:spPr>
           <a:xfrm>
             <a:off x="839788" y="820881"/>
-            <a:ext cx="4205178" cy="617775"/>
+            <a:ext cx="10827956" cy="617775"/>
           </a:xfrm>
         </p:spPr>
         <p:txBody>
@@ -14269,7 +14333,7 @@
           <a:p>
             <a:r>
               <a:rPr lang="de-DE" sz="3200" dirty="0"/>
-              <a:t>Benutzeroberfläche</a:t>
+              <a:t>Benutzeroberfläche - Entwicklung seit Durchstich</a:t>
             </a:r>
           </a:p>
         </p:txBody>
@@ -14289,15 +14353,27 @@
           <p:nvPr/>
         </p:nvPicPr>
         <p:blipFill>
-          <a:blip r:embed="rId2"/>
+          <a:blip r:embed="rId3">
+            <a:extLst>
+              <a:ext uri="{BEBA8EAE-BF5A-486C-A8C5-ECC9F3942E4B}">
+                <a14:imgProps xmlns:a14="http://schemas.microsoft.com/office/drawing/2010/main">
+                  <a14:imgLayer r:embed="rId4">
+                    <a14:imgEffect>
+                      <a14:artisticCutout trans="34000" numberOfShades="0"/>
+                    </a14:imgEffect>
+                  </a14:imgLayer>
+                </a14:imgProps>
+              </a:ext>
+            </a:extLst>
+          </a:blip>
           <a:stretch>
             <a:fillRect/>
           </a:stretch>
         </p:blipFill>
         <p:spPr>
           <a:xfrm>
-            <a:off x="7522464" y="1375815"/>
-            <a:ext cx="4339603" cy="4556014"/>
+            <a:off x="3899599" y="1575993"/>
+            <a:ext cx="3347968" cy="3514927"/>
           </a:xfrm>
           <a:prstGeom prst="rect">
             <a:avLst/>
@@ -14338,16 +14414,10 @@
                 <a:spcPts val="600"/>
               </a:spcAft>
             </a:pPr>
-            <a:fld id="{579F6069-8263-4296-913A-BC2234E8D32B}" type="datetime1">
-              <a:rPr lang="en-US" smtClean="0"/>
-              <a:pPr>
-                <a:spcAft>
-                  <a:spcPts val="600"/>
-                </a:spcAft>
-              </a:pPr>
-              <a:t>6/13/2024</a:t>
-            </a:fld>
-            <a:endParaRPr lang="en-US"/>
+            <a:r>
+              <a:rPr lang="en-US" dirty="0"/>
+              <a:t>18.7.2024</a:t>
+            </a:r>
           </a:p>
         </p:txBody>
       </p:sp>
@@ -14416,7 +14486,7 @@
         <p:spPr>
           <a:xfrm>
             <a:off x="839787" y="1438656"/>
-            <a:ext cx="5208207" cy="4430332"/>
+            <a:ext cx="2743200" cy="4430332"/>
           </a:xfrm>
         </p:spPr>
         <p:txBody>
@@ -14450,87 +14520,6 @@
             <a:r>
               <a:rPr lang="de-DE" dirty="0"/>
               <a:t>Bootstrap Framework für HTML und CSS Vorlagen zur Frontend-Entwicklung</a:t>
-            </a:r>
-          </a:p>
-          <a:p>
-            <a:pPr marL="285750" indent="-285750">
-              <a:lnSpc>
-                <a:spcPct val="150000"/>
-              </a:lnSpc>
-              <a:buFont typeface="Arial" panose="020B0604020202020204" pitchFamily="34" charset="0"/>
-              <a:buChar char="•"/>
-            </a:pPr>
-            <a:r>
-              <a:rPr lang="de-DE" dirty="0"/>
-              <a:t> Funktionalität:</a:t>
-            </a:r>
-          </a:p>
-          <a:p>
-            <a:pPr marL="742950" lvl="1" indent="-285750">
-              <a:lnSpc>
-                <a:spcPct val="150000"/>
-              </a:lnSpc>
-              <a:buFont typeface="Arial" panose="020B0604020202020204" pitchFamily="34" charset="0"/>
-              <a:buChar char="•"/>
-            </a:pPr>
-            <a:r>
-              <a:rPr lang="de-DE" dirty="0"/>
-              <a:t>Input: Einzelne Referenz in Textform</a:t>
-            </a:r>
-          </a:p>
-          <a:p>
-            <a:pPr marL="742950" lvl="1" indent="-285750">
-              <a:lnSpc>
-                <a:spcPct val="150000"/>
-              </a:lnSpc>
-              <a:buFont typeface="Arial" panose="020B0604020202020204" pitchFamily="34" charset="0"/>
-              <a:buChar char="•"/>
-            </a:pPr>
-            <a:r>
-              <a:rPr lang="de-DE" dirty="0"/>
-              <a:t>Output: Konvertierter String (Verknüpfung zum Modell noch nicht vollständig)</a:t>
-            </a:r>
-          </a:p>
-          <a:p>
-            <a:pPr marL="742950" lvl="1" indent="-285750">
-              <a:lnSpc>
-                <a:spcPct val="150000"/>
-              </a:lnSpc>
-              <a:buFont typeface="Arial" panose="020B0604020202020204" pitchFamily="34" charset="0"/>
-              <a:buChar char="•"/>
-            </a:pPr>
-            <a:r>
-              <a:rPr lang="de-DE" dirty="0"/>
-              <a:t>Konvertierter String kann nachträglich modifiziert werden</a:t>
-            </a:r>
-          </a:p>
-          <a:p>
-            <a:pPr marL="742950" lvl="1" indent="-285750">
-              <a:lnSpc>
-                <a:spcPct val="150000"/>
-              </a:lnSpc>
-              <a:buFont typeface="Arial" panose="020B0604020202020204" pitchFamily="34" charset="0"/>
-              <a:buChar char="•"/>
-            </a:pPr>
-            <a:r>
-              <a:rPr lang="de-DE" dirty="0"/>
-              <a:t>Download des </a:t>
-            </a:r>
-            <a:r>
-              <a:rPr lang="de-DE" dirty="0" err="1"/>
-              <a:t>BibTex</a:t>
-            </a:r>
-            <a:r>
-              <a:rPr lang="de-DE" dirty="0"/>
-              <a:t>-Eintrags als </a:t>
-            </a:r>
-            <a:r>
-              <a:rPr lang="de-DE" dirty="0" err="1"/>
-              <a:t>txt</a:t>
-            </a:r>
-            <a:r>
-              <a:rPr lang="de-DE" dirty="0"/>
-              <a:t>-Datei in Downloadordner</a:t>
             </a:r>
           </a:p>
         </p:txBody>
@@ -14550,7 +14539,7 @@
           <p:nvPr/>
         </p:nvPicPr>
         <p:blipFill>
-          <a:blip r:embed="rId3">
+          <a:blip r:embed="rId5">
             <a:extLst>
               <a:ext uri="{28A0092B-C50C-407E-A947-70E740481C1C}">
                 <a14:useLocalDpi xmlns:a14="http://schemas.microsoft.com/office/drawing/2010/main" val="0"/>
@@ -14564,7 +14553,7 @@
         </p:blipFill>
         <p:spPr bwMode="auto">
           <a:xfrm>
-            <a:off x="6259826" y="1820367"/>
+            <a:off x="1102673" y="4841043"/>
             <a:ext cx="872494" cy="1046993"/>
           </a:xfrm>
           <a:prstGeom prst="rect">
@@ -14597,7 +14586,7 @@
           <p:nvPr/>
         </p:nvPicPr>
         <p:blipFill>
-          <a:blip r:embed="rId4">
+          <a:blip r:embed="rId6">
             <a:extLst>
               <a:ext uri="{28A0092B-C50C-407E-A947-70E740481C1C}">
                 <a14:useLocalDpi xmlns:a14="http://schemas.microsoft.com/office/drawing/2010/main" val="0"/>
@@ -14611,7 +14600,7 @@
         </p:blipFill>
         <p:spPr bwMode="auto">
           <a:xfrm>
-            <a:off x="6144006" y="3954053"/>
+            <a:off x="2273109" y="4756880"/>
             <a:ext cx="1135380" cy="936689"/>
           </a:xfrm>
           <a:prstGeom prst="rect">
@@ -14629,41 +14618,340 @@
           </a:extLst>
         </p:spPr>
       </p:pic>
-      <p:sp>
-        <p:nvSpPr>
-          <p:cNvPr id="10" name="Textfeld 9">
+      <p:pic>
+        <p:nvPicPr>
+          <p:cNvPr id="5" name="Grafik 4" descr="Ein Bild, das Text, Screenshot, Software, Webseite enthält.&#10;&#10;Automatisch generierte Beschreibung">
             <a:extLst>
               <a:ext uri="{FF2B5EF4-FFF2-40B4-BE49-F238E27FC236}">
-                <a16:creationId xmlns:a16="http://schemas.microsoft.com/office/drawing/2014/main" id="{BF825ABD-9940-4071-83C2-6B690470754E}"/>
+                <a16:creationId xmlns:a16="http://schemas.microsoft.com/office/drawing/2014/main" id="{B41CC826-857B-AAEE-A302-F059BD076CB8}"/>
               </a:ext>
             </a:extLst>
           </p:cNvPr>
-          <p:cNvSpPr txBox="1"/>
+          <p:cNvPicPr>
+            <a:picLocks noChangeAspect="1"/>
+          </p:cNvPicPr>
           <p:nvPr/>
-        </p:nvSpPr>
+        </p:nvPicPr>
+        <p:blipFill>
+          <a:blip r:embed="rId7">
+            <a:extLst>
+              <a:ext uri="{28A0092B-C50C-407E-A947-70E740481C1C}">
+                <a14:useLocalDpi xmlns:a14="http://schemas.microsoft.com/office/drawing/2010/main" val="0"/>
+              </a:ext>
+            </a:extLst>
+          </a:blip>
+          <a:stretch>
+            <a:fillRect/>
+          </a:stretch>
+        </p:blipFill>
         <p:spPr>
-          <a:xfrm rot="2788215">
-            <a:off x="9433582" y="3630888"/>
-            <a:ext cx="2070850" cy="646331"/>
+          <a:xfrm>
+            <a:off x="4794441" y="2016500"/>
+            <a:ext cx="3221862" cy="3542764"/>
           </a:xfrm>
           <a:prstGeom prst="rect">
             <a:avLst/>
           </a:prstGeom>
-          <a:noFill/>
+        </p:spPr>
+      </p:pic>
+      <p:sp>
+        <p:nvSpPr>
+          <p:cNvPr id="3" name="Textplatzhalter 8">
+            <a:extLst>
+              <a:ext uri="{FF2B5EF4-FFF2-40B4-BE49-F238E27FC236}">
+                <a16:creationId xmlns:a16="http://schemas.microsoft.com/office/drawing/2014/main" id="{BCD04AD6-27A9-D07A-DF1E-B14CAFC1FE27}"/>
+              </a:ext>
+            </a:extLst>
+          </p:cNvPr>
+          <p:cNvSpPr txBox="1">
+            <a:spLocks/>
+          </p:cNvSpPr>
+          <p:nvPr/>
+        </p:nvSpPr>
+        <p:spPr>
+          <a:xfrm>
+            <a:off x="8142408" y="1438780"/>
+            <a:ext cx="4049591" cy="5282695"/>
+          </a:xfrm>
+          <a:prstGeom prst="rect">
+            <a:avLst/>
+          </a:prstGeom>
         </p:spPr>
         <p:txBody>
-          <a:bodyPr wrap="square" rtlCol="0">
-            <a:spAutoFit/>
+          <a:bodyPr vert="horz" lIns="91440" tIns="45720" rIns="91440" bIns="45720" rtlCol="0" anchor="t" anchorCtr="0">
+            <a:normAutofit/>
           </a:bodyPr>
-          <a:lstStyle/>
-          <a:p>
-            <a:r>
-              <a:rPr lang="de-DE" sz="3600" b="1" dirty="0">
+          <a:lstStyle>
+            <a:lvl1pPr marL="0" indent="0" algn="l" defTabSz="914400" rtl="0" eaLnBrk="1" latinLnBrk="0" hangingPunct="1">
+              <a:lnSpc>
+                <a:spcPct val="120000"/>
+              </a:lnSpc>
+              <a:spcBef>
+                <a:spcPts val="1000"/>
+              </a:spcBef>
+              <a:buFont typeface="Arial" panose="020B0604020202020204" pitchFamily="34" charset="0"/>
+              <a:buNone/>
+              <a:defRPr sz="1600" kern="1200">
                 <a:solidFill>
-                  <a:srgbClr val="FF0000"/>
+                  <a:schemeClr val="tx2"/>
                 </a:solidFill>
-              </a:rPr>
-              <a:t>Beispiel</a:t>
+                <a:latin typeface="+mn-lt"/>
+                <a:ea typeface="+mn-ea"/>
+                <a:cs typeface="+mn-cs"/>
+              </a:defRPr>
+            </a:lvl1pPr>
+            <a:lvl2pPr marL="457200" indent="0" algn="l" defTabSz="914400" rtl="0" eaLnBrk="1" latinLnBrk="0" hangingPunct="1">
+              <a:lnSpc>
+                <a:spcPct val="120000"/>
+              </a:lnSpc>
+              <a:spcBef>
+                <a:spcPts val="500"/>
+              </a:spcBef>
+              <a:buFont typeface="Arial" panose="020B0604020202020204" pitchFamily="34" charset="0"/>
+              <a:buNone/>
+              <a:defRPr sz="1400" kern="1200">
+                <a:solidFill>
+                  <a:schemeClr val="tx2"/>
+                </a:solidFill>
+                <a:latin typeface="+mn-lt"/>
+                <a:ea typeface="+mn-ea"/>
+                <a:cs typeface="+mn-cs"/>
+              </a:defRPr>
+            </a:lvl2pPr>
+            <a:lvl3pPr marL="914400" indent="0" algn="l" defTabSz="914400" rtl="0" eaLnBrk="1" latinLnBrk="0" hangingPunct="1">
+              <a:lnSpc>
+                <a:spcPct val="120000"/>
+              </a:lnSpc>
+              <a:spcBef>
+                <a:spcPts val="500"/>
+              </a:spcBef>
+              <a:buFont typeface="Arial" panose="020B0604020202020204" pitchFamily="34" charset="0"/>
+              <a:buNone/>
+              <a:defRPr sz="1200" kern="1200">
+                <a:solidFill>
+                  <a:schemeClr val="tx2"/>
+                </a:solidFill>
+                <a:latin typeface="+mn-lt"/>
+                <a:ea typeface="+mn-ea"/>
+                <a:cs typeface="+mn-cs"/>
+              </a:defRPr>
+            </a:lvl3pPr>
+            <a:lvl4pPr marL="1371600" indent="0" algn="l" defTabSz="914400" rtl="0" eaLnBrk="1" latinLnBrk="0" hangingPunct="1">
+              <a:lnSpc>
+                <a:spcPct val="120000"/>
+              </a:lnSpc>
+              <a:spcBef>
+                <a:spcPts val="500"/>
+              </a:spcBef>
+              <a:buFont typeface="Arial" panose="020B0604020202020204" pitchFamily="34" charset="0"/>
+              <a:buNone/>
+              <a:defRPr sz="1000" kern="1200">
+                <a:solidFill>
+                  <a:schemeClr val="tx2"/>
+                </a:solidFill>
+                <a:latin typeface="+mn-lt"/>
+                <a:ea typeface="+mn-ea"/>
+                <a:cs typeface="+mn-cs"/>
+              </a:defRPr>
+            </a:lvl4pPr>
+            <a:lvl5pPr marL="1828800" indent="0" algn="l" defTabSz="914400" rtl="0" eaLnBrk="1" latinLnBrk="0" hangingPunct="1">
+              <a:lnSpc>
+                <a:spcPct val="120000"/>
+              </a:lnSpc>
+              <a:spcBef>
+                <a:spcPts val="500"/>
+              </a:spcBef>
+              <a:buFont typeface="Arial" panose="020B0604020202020204" pitchFamily="34" charset="0"/>
+              <a:buNone/>
+              <a:defRPr sz="1000" kern="1200">
+                <a:solidFill>
+                  <a:schemeClr val="tx2"/>
+                </a:solidFill>
+                <a:latin typeface="+mn-lt"/>
+                <a:ea typeface="+mn-ea"/>
+                <a:cs typeface="+mn-cs"/>
+              </a:defRPr>
+            </a:lvl5pPr>
+            <a:lvl6pPr marL="2286000" indent="0" algn="l" defTabSz="914400" rtl="0" eaLnBrk="1" latinLnBrk="0" hangingPunct="1">
+              <a:lnSpc>
+                <a:spcPct val="90000"/>
+              </a:lnSpc>
+              <a:spcBef>
+                <a:spcPts val="500"/>
+              </a:spcBef>
+              <a:buFont typeface="Arial" panose="020B0604020202020204" pitchFamily="34" charset="0"/>
+              <a:buNone/>
+              <a:defRPr sz="1000" kern="1200">
+                <a:solidFill>
+                  <a:schemeClr val="tx1"/>
+                </a:solidFill>
+                <a:latin typeface="+mn-lt"/>
+                <a:ea typeface="+mn-ea"/>
+                <a:cs typeface="+mn-cs"/>
+              </a:defRPr>
+            </a:lvl6pPr>
+            <a:lvl7pPr marL="2743200" indent="0" algn="l" defTabSz="914400" rtl="0" eaLnBrk="1" latinLnBrk="0" hangingPunct="1">
+              <a:lnSpc>
+                <a:spcPct val="90000"/>
+              </a:lnSpc>
+              <a:spcBef>
+                <a:spcPts val="500"/>
+              </a:spcBef>
+              <a:buFont typeface="Arial" panose="020B0604020202020204" pitchFamily="34" charset="0"/>
+              <a:buNone/>
+              <a:defRPr sz="1000" kern="1200">
+                <a:solidFill>
+                  <a:schemeClr val="tx1"/>
+                </a:solidFill>
+                <a:latin typeface="+mn-lt"/>
+                <a:ea typeface="+mn-ea"/>
+                <a:cs typeface="+mn-cs"/>
+              </a:defRPr>
+            </a:lvl7pPr>
+            <a:lvl8pPr marL="3200400" indent="0" algn="l" defTabSz="914400" rtl="0" eaLnBrk="1" latinLnBrk="0" hangingPunct="1">
+              <a:lnSpc>
+                <a:spcPct val="90000"/>
+              </a:lnSpc>
+              <a:spcBef>
+                <a:spcPts val="500"/>
+              </a:spcBef>
+              <a:buFont typeface="Arial" panose="020B0604020202020204" pitchFamily="34" charset="0"/>
+              <a:buNone/>
+              <a:defRPr sz="1000" kern="1200">
+                <a:solidFill>
+                  <a:schemeClr val="tx1"/>
+                </a:solidFill>
+                <a:latin typeface="+mn-lt"/>
+                <a:ea typeface="+mn-ea"/>
+                <a:cs typeface="+mn-cs"/>
+              </a:defRPr>
+            </a:lvl8pPr>
+            <a:lvl9pPr marL="3657600" indent="0" algn="l" defTabSz="914400" rtl="0" eaLnBrk="1" latinLnBrk="0" hangingPunct="1">
+              <a:lnSpc>
+                <a:spcPct val="90000"/>
+              </a:lnSpc>
+              <a:spcBef>
+                <a:spcPts val="500"/>
+              </a:spcBef>
+              <a:buFont typeface="Arial" panose="020B0604020202020204" pitchFamily="34" charset="0"/>
+              <a:buNone/>
+              <a:defRPr sz="1000" kern="1200">
+                <a:solidFill>
+                  <a:schemeClr val="tx1"/>
+                </a:solidFill>
+                <a:latin typeface="+mn-lt"/>
+                <a:ea typeface="+mn-ea"/>
+                <a:cs typeface="+mn-cs"/>
+              </a:defRPr>
+            </a:lvl9pPr>
+          </a:lstStyle>
+          <a:p>
+            <a:pPr marL="285750" indent="-285750">
+              <a:lnSpc>
+                <a:spcPct val="150000"/>
+              </a:lnSpc>
+              <a:buFont typeface="Arial" panose="020B0604020202020204" pitchFamily="34" charset="0"/>
+              <a:buChar char="•"/>
+            </a:pPr>
+            <a:r>
+              <a:rPr lang="de-DE" dirty="0"/>
+              <a:t>Batch-Konvertierung </a:t>
+            </a:r>
+          </a:p>
+          <a:p>
+            <a:pPr marL="285750" indent="-285750">
+              <a:lnSpc>
+                <a:spcPct val="150000"/>
+              </a:lnSpc>
+              <a:buFont typeface="Arial" panose="020B0604020202020204" pitchFamily="34" charset="0"/>
+              <a:buChar char="•"/>
+            </a:pPr>
+            <a:r>
+              <a:rPr lang="de-DE" dirty="0"/>
+              <a:t>Einlesen von Referenzen (Listen) aus Screenshot über OCR mit Sprachauswahl</a:t>
+            </a:r>
+          </a:p>
+          <a:p>
+            <a:pPr marL="285750" indent="-285750">
+              <a:lnSpc>
+                <a:spcPct val="150000"/>
+              </a:lnSpc>
+              <a:buFont typeface="Arial" panose="020B0604020202020204" pitchFamily="34" charset="0"/>
+              <a:buChar char="•"/>
+            </a:pPr>
+            <a:r>
+              <a:rPr lang="de-DE" dirty="0"/>
+              <a:t>Default-Sprache englisch</a:t>
+            </a:r>
+          </a:p>
+          <a:p>
+            <a:pPr marL="285750" indent="-285750">
+              <a:lnSpc>
+                <a:spcPct val="150000"/>
+              </a:lnSpc>
+              <a:buFont typeface="Arial" panose="020B0604020202020204" pitchFamily="34" charset="0"/>
+              <a:buChar char="•"/>
+            </a:pPr>
+            <a:r>
+              <a:rPr lang="de-DE" dirty="0"/>
+              <a:t>Reduzierung auf eine HTML-Seite</a:t>
+            </a:r>
+          </a:p>
+          <a:p>
+            <a:pPr marL="285750" indent="-285750">
+              <a:lnSpc>
+                <a:spcPct val="150000"/>
+              </a:lnSpc>
+              <a:buFont typeface="Arial" panose="020B0604020202020204" pitchFamily="34" charset="0"/>
+              <a:buChar char="•"/>
+            </a:pPr>
+            <a:r>
+              <a:rPr lang="de-DE" dirty="0"/>
+              <a:t>Toolerläuterung über Tooltips (Button) und Platzhalter (Textfelder) </a:t>
+            </a:r>
+          </a:p>
+          <a:p>
+            <a:pPr marL="285750" indent="-285750">
+              <a:lnSpc>
+                <a:spcPct val="150000"/>
+              </a:lnSpc>
+              <a:buFont typeface="Arial" panose="020B0604020202020204" pitchFamily="34" charset="0"/>
+              <a:buChar char="•"/>
+            </a:pPr>
+            <a:r>
+              <a:rPr lang="de-DE" dirty="0"/>
+              <a:t>Default-Dateiname für </a:t>
+            </a:r>
+            <a:r>
+              <a:rPr lang="de-DE" dirty="0" err="1"/>
+              <a:t>download</a:t>
+            </a:r>
+            <a:endParaRPr lang="de-DE" dirty="0"/>
+          </a:p>
+          <a:p>
+            <a:pPr marL="285750" indent="-285750">
+              <a:lnSpc>
+                <a:spcPct val="150000"/>
+              </a:lnSpc>
+              <a:buFont typeface="Arial" panose="020B0604020202020204" pitchFamily="34" charset="0"/>
+              <a:buChar char="•"/>
+            </a:pPr>
+            <a:r>
+              <a:rPr lang="de-DE" dirty="0"/>
+              <a:t>Debugging</a:t>
+            </a:r>
+          </a:p>
+          <a:p>
+            <a:pPr marL="285750" indent="-285750">
+              <a:lnSpc>
+                <a:spcPct val="150000"/>
+              </a:lnSpc>
+              <a:buFont typeface="Arial" panose="020B0604020202020204" pitchFamily="34" charset="0"/>
+              <a:buChar char="•"/>
+            </a:pPr>
+            <a:r>
+              <a:rPr lang="de-DE" dirty="0"/>
+              <a:t>Berücksichtigung des Feedbacks (nochmals vielen Dank!)</a:t>
             </a:r>
           </a:p>
         </p:txBody>
@@ -14682,6 +14970,150 @@
 </file>
 
 <file path=ppt/slides/slide6.xml><?xml version="1.0" encoding="utf-8"?>
+<p:sld xmlns:a="http://schemas.openxmlformats.org/drawingml/2006/main" xmlns:r="http://schemas.openxmlformats.org/officeDocument/2006/relationships" xmlns:p="http://schemas.openxmlformats.org/presentationml/2006/main">
+  <p:cSld>
+    <p:spTree>
+      <p:nvGrpSpPr>
+        <p:cNvPr id="1" name=""/>
+        <p:cNvGrpSpPr/>
+        <p:nvPr/>
+      </p:nvGrpSpPr>
+      <p:grpSpPr>
+        <a:xfrm>
+          <a:off x="0" y="0"/>
+          <a:ext cx="0" cy="0"/>
+          <a:chOff x="0" y="0"/>
+          <a:chExt cx="0" cy="0"/>
+        </a:xfrm>
+      </p:grpSpPr>
+      <p:sp>
+        <p:nvSpPr>
+          <p:cNvPr id="2" name="Titel 1">
+            <a:extLst>
+              <a:ext uri="{FF2B5EF4-FFF2-40B4-BE49-F238E27FC236}">
+                <a16:creationId xmlns:a16="http://schemas.microsoft.com/office/drawing/2014/main" id="{82884F31-A80E-3C3F-D010-997275D19594}"/>
+              </a:ext>
+            </a:extLst>
+          </p:cNvPr>
+          <p:cNvSpPr>
+            <a:spLocks noGrp="1"/>
+          </p:cNvSpPr>
+          <p:nvPr>
+            <p:ph type="title"/>
+          </p:nvPr>
+        </p:nvSpPr>
+        <p:spPr/>
+        <p:txBody>
+          <a:bodyPr anchor="ctr"/>
+          <a:lstStyle/>
+          <a:p>
+            <a:pPr algn="ctr"/>
+            <a:r>
+              <a:rPr lang="de-DE" dirty="0"/>
+              <a:t>DEMO</a:t>
+            </a:r>
+          </a:p>
+        </p:txBody>
+      </p:sp>
+      <p:sp>
+        <p:nvSpPr>
+          <p:cNvPr id="4" name="Datumsplatzhalter 3">
+            <a:extLst>
+              <a:ext uri="{FF2B5EF4-FFF2-40B4-BE49-F238E27FC236}">
+                <a16:creationId xmlns:a16="http://schemas.microsoft.com/office/drawing/2014/main" id="{F0901E0F-9A3B-D02E-008D-DE0F3AA101EA}"/>
+              </a:ext>
+            </a:extLst>
+          </p:cNvPr>
+          <p:cNvSpPr>
+            <a:spLocks noGrp="1"/>
+          </p:cNvSpPr>
+          <p:nvPr>
+            <p:ph type="dt" sz="half" idx="10"/>
+          </p:nvPr>
+        </p:nvSpPr>
+        <p:spPr/>
+        <p:txBody>
+          <a:bodyPr/>
+          <a:lstStyle/>
+          <a:p>
+            <a:r>
+              <a:rPr lang="en-US" dirty="0"/>
+              <a:t>18.7.2024</a:t>
+            </a:r>
+          </a:p>
+        </p:txBody>
+      </p:sp>
+      <p:sp>
+        <p:nvSpPr>
+          <p:cNvPr id="5" name="Fußzeilenplatzhalter 4">
+            <a:extLst>
+              <a:ext uri="{FF2B5EF4-FFF2-40B4-BE49-F238E27FC236}">
+                <a16:creationId xmlns:a16="http://schemas.microsoft.com/office/drawing/2014/main" id="{C733F431-2796-3670-1C8A-E433227644A3}"/>
+              </a:ext>
+            </a:extLst>
+          </p:cNvPr>
+          <p:cNvSpPr>
+            <a:spLocks noGrp="1"/>
+          </p:cNvSpPr>
+          <p:nvPr>
+            <p:ph type="ftr" sz="quarter" idx="11"/>
+          </p:nvPr>
+        </p:nvSpPr>
+        <p:spPr/>
+        <p:txBody>
+          <a:bodyPr/>
+          <a:lstStyle/>
+          <a:p>
+            <a:r>
+              <a:rPr lang="en-US"/>
+              <a:t>Sample Footer Text</a:t>
+            </a:r>
+          </a:p>
+        </p:txBody>
+      </p:sp>
+      <p:sp>
+        <p:nvSpPr>
+          <p:cNvPr id="6" name="Foliennummernplatzhalter 5">
+            <a:extLst>
+              <a:ext uri="{FF2B5EF4-FFF2-40B4-BE49-F238E27FC236}">
+                <a16:creationId xmlns:a16="http://schemas.microsoft.com/office/drawing/2014/main" id="{3EEA269D-5BE0-C393-E318-51CE048B2316}"/>
+              </a:ext>
+            </a:extLst>
+          </p:cNvPr>
+          <p:cNvSpPr>
+            <a:spLocks noGrp="1"/>
+          </p:cNvSpPr>
+          <p:nvPr>
+            <p:ph type="sldNum" sz="quarter" idx="12"/>
+          </p:nvPr>
+        </p:nvSpPr>
+        <p:spPr/>
+        <p:txBody>
+          <a:bodyPr/>
+          <a:lstStyle/>
+          <a:p>
+            <a:fld id="{C68AC1EC-23E2-4F0E-A5A4-674EC8DB954E}" type="slidenum">
+              <a:rPr lang="en-US" smtClean="0"/>
+              <a:t>6</a:t>
+            </a:fld>
+            <a:endParaRPr lang="en-US"/>
+          </a:p>
+        </p:txBody>
+      </p:sp>
+    </p:spTree>
+    <p:extLst>
+      <p:ext uri="{BB962C8B-B14F-4D97-AF65-F5344CB8AC3E}">
+        <p14:creationId xmlns:p14="http://schemas.microsoft.com/office/powerpoint/2010/main" val="419316316"/>
+      </p:ext>
+    </p:extLst>
+  </p:cSld>
+  <p:clrMapOvr>
+    <a:masterClrMapping/>
+  </p:clrMapOvr>
+</p:sld>
+</file>
+
+<file path=ppt/slides/slide7.xml><?xml version="1.0" encoding="utf-8"?>
 <p:sld xmlns:a="http://schemas.openxmlformats.org/drawingml/2006/main" xmlns:r="http://schemas.openxmlformats.org/officeDocument/2006/relationships" xmlns:p="http://schemas.openxmlformats.org/presentationml/2006/main">
   <p:cSld>
     <p:spTree>
@@ -14837,11 +15269,10 @@
           <a:bodyPr/>
           <a:lstStyle/>
           <a:p>
-            <a:fld id="{579F6069-8263-4296-913A-BC2234E8D32B}" type="datetime1">
-              <a:rPr lang="en-US" smtClean="0"/>
-              <a:t>6/13/2024</a:t>
-            </a:fld>
-            <a:endParaRPr lang="en-US"/>
+            <a:r>
+              <a:rPr lang="en-US" dirty="0"/>
+              <a:t>18.7.2024</a:t>
+            </a:r>
           </a:p>
         </p:txBody>
       </p:sp>
@@ -14868,7 +15299,7 @@
           <a:p>
             <a:fld id="{C68AC1EC-23E2-4F0E-A5A4-674EC8DB954E}" type="slidenum">
               <a:rPr lang="en-US" smtClean="0"/>
-              <a:t>6</a:t>
+              <a:t>7</a:t>
             </a:fld>
             <a:endParaRPr lang="en-US"/>
           </a:p>
@@ -15183,7 +15614,7 @@
 </p:sld>
 </file>
 
-<file path=ppt/slides/slide7.xml><?xml version="1.0" encoding="utf-8"?>
+<file path=ppt/slides/slide8.xml><?xml version="1.0" encoding="utf-8"?>
 <p:sld xmlns:a="http://schemas.openxmlformats.org/drawingml/2006/main" xmlns:r="http://schemas.openxmlformats.org/officeDocument/2006/relationships" xmlns:p="http://schemas.openxmlformats.org/presentationml/2006/main">
   <p:cSld>
     <p:spTree>
@@ -15401,11 +15832,10 @@
           <a:bodyPr/>
           <a:lstStyle/>
           <a:p>
-            <a:fld id="{579F6069-8263-4296-913A-BC2234E8D32B}" type="datetime1">
-              <a:rPr lang="en-US" smtClean="0"/>
-              <a:t>6/13/2024</a:t>
-            </a:fld>
-            <a:endParaRPr lang="en-US"/>
+            <a:r>
+              <a:rPr lang="en-US" dirty="0"/>
+              <a:t>18.7.2024</a:t>
+            </a:r>
           </a:p>
         </p:txBody>
       </p:sp>
@@ -15432,7 +15862,7 @@
           <a:p>
             <a:fld id="{C68AC1EC-23E2-4F0E-A5A4-674EC8DB954E}" type="slidenum">
               <a:rPr lang="en-US" smtClean="0"/>
-              <a:t>7</a:t>
+              <a:t>8</a:t>
             </a:fld>
             <a:endParaRPr lang="en-US"/>
           </a:p>
@@ -15904,7 +16334,7 @@
 </p:sld>
 </file>
 
-<file path=ppt/slides/slide8.xml><?xml version="1.0" encoding="utf-8"?>
+<file path=ppt/slides/slide9.xml><?xml version="1.0" encoding="utf-8"?>
 <p:sld xmlns:a="http://schemas.openxmlformats.org/drawingml/2006/main" xmlns:r="http://schemas.openxmlformats.org/officeDocument/2006/relationships" xmlns:p="http://schemas.openxmlformats.org/presentationml/2006/main">
   <p:cSld>
     <p:spTree>
@@ -16008,11 +16438,10 @@
           <a:bodyPr/>
           <a:lstStyle/>
           <a:p>
-            <a:fld id="{579F6069-8263-4296-913A-BC2234E8D32B}" type="datetime1">
-              <a:rPr lang="en-US" smtClean="0"/>
-              <a:t>6/13/2024</a:t>
-            </a:fld>
-            <a:endParaRPr lang="en-US"/>
+            <a:r>
+              <a:rPr lang="en-US" dirty="0"/>
+              <a:t>18.7.2024</a:t>
+            </a:r>
           </a:p>
         </p:txBody>
       </p:sp>
@@ -16039,7 +16468,7 @@
           <a:p>
             <a:fld id="{C68AC1EC-23E2-4F0E-A5A4-674EC8DB954E}" type="slidenum">
               <a:rPr lang="en-US" smtClean="0"/>
-              <a:t>8</a:t>
+              <a:t>9</a:t>
             </a:fld>
             <a:endParaRPr lang="en-US"/>
           </a:p>

--- a/Dokumente/Abschlussdemo_Bibtex_Konverter.pptx
+++ b/Dokumente/Abschlussdemo_Bibtex_Konverter.pptx
@@ -126,7 +126,7 @@
 <file path=ppt/revisionInfo.xml><?xml version="1.0" encoding="utf-8"?>
 <p1510:revInfo xmlns:a="http://schemas.openxmlformats.org/drawingml/2006/main" xmlns:r="http://schemas.openxmlformats.org/officeDocument/2006/relationships" xmlns:p1510="http://schemas.microsoft.com/office/powerpoint/2015/10/main">
   <p1510:revLst>
-    <p1510:client id="{613702A7-9DB3-449F-9CF5-799F5E55BFA4}" v="456" dt="2024-06-12T19:58:31.995"/>
+    <p1510:client id="{FE1DD21D-047C-4DA7-8548-ABB0D482636F}" v="34" dt="2024-07-17T16:50:16.036"/>
   </p1510:revLst>
 </p1510:revInfo>
 </file>
@@ -334,6 +334,46 @@
           <pc:docMk/>
           <pc:sldMk cId="1992443866" sldId="264"/>
         </pc:sldMkLst>
+      </pc:sldChg>
+    </pc:docChg>
+  </pc:docChgLst>
+  <pc:docChgLst>
+    <pc:chgData name="Lars Lafleur" userId="a0e371033217b6e9" providerId="LiveId" clId="{FE1DD21D-047C-4DA7-8548-ABB0D482636F}"/>
+    <pc:docChg chg="custSel modSld">
+      <pc:chgData name="Lars Lafleur" userId="a0e371033217b6e9" providerId="LiveId" clId="{FE1DD21D-047C-4DA7-8548-ABB0D482636F}" dt="2024-07-17T16:50:37.473" v="44" actId="21"/>
+      <pc:docMkLst>
+        <pc:docMk/>
+      </pc:docMkLst>
+      <pc:sldChg chg="delSp modSp mod">
+        <pc:chgData name="Lars Lafleur" userId="a0e371033217b6e9" providerId="LiveId" clId="{FE1DD21D-047C-4DA7-8548-ABB0D482636F}" dt="2024-07-17T16:50:37.473" v="44" actId="21"/>
+        <pc:sldMkLst>
+          <pc:docMk/>
+          <pc:sldMk cId="4226524386" sldId="259"/>
+        </pc:sldMkLst>
+        <pc:spChg chg="del mod">
+          <ac:chgData name="Lars Lafleur" userId="a0e371033217b6e9" providerId="LiveId" clId="{FE1DD21D-047C-4DA7-8548-ABB0D482636F}" dt="2024-07-17T16:50:37.473" v="44" actId="21"/>
+          <ac:spMkLst>
+            <pc:docMk/>
+            <pc:sldMk cId="4226524386" sldId="259"/>
+            <ac:spMk id="16" creationId="{2A98EDB6-1737-F42F-5509-EF34F43B364E}"/>
+          </ac:spMkLst>
+        </pc:spChg>
+        <pc:graphicFrameChg chg="mod">
+          <ac:chgData name="Lars Lafleur" userId="a0e371033217b6e9" providerId="LiveId" clId="{FE1DD21D-047C-4DA7-8548-ABB0D482636F}" dt="2024-07-17T16:50:16.036" v="42" actId="20577"/>
+          <ac:graphicFrameMkLst>
+            <pc:docMk/>
+            <pc:sldMk cId="4226524386" sldId="259"/>
+            <ac:graphicFrameMk id="14" creationId="{BB7C9777-D33D-3B70-4005-A2CAC3FDA5AF}"/>
+          </ac:graphicFrameMkLst>
+        </pc:graphicFrameChg>
+        <pc:graphicFrameChg chg="mod modGraphic">
+          <ac:chgData name="Lars Lafleur" userId="a0e371033217b6e9" providerId="LiveId" clId="{FE1DD21D-047C-4DA7-8548-ABB0D482636F}" dt="2024-07-17T16:48:29.009" v="10" actId="20577"/>
+          <ac:graphicFrameMkLst>
+            <pc:docMk/>
+            <pc:sldMk cId="4226524386" sldId="259"/>
+            <ac:graphicFrameMk id="15" creationId="{E58D3868-3BBA-1956-F9A5-A5932B3023D6}"/>
+          </ac:graphicFrameMkLst>
+        </pc:graphicFrameChg>
       </pc:sldChg>
     </pc:docChg>
   </pc:docChgLst>
@@ -1254,7 +1294,7 @@
                 <a:schemeClr val="tx1"/>
               </a:solidFill>
             </a:rPr>
-            <a:t>NER- und POS-Tagger</a:t>
+            <a:t>NER-Tagger und manuelles Parsen</a:t>
           </a:r>
         </a:p>
       </dgm:t>
@@ -1493,12 +1533,12 @@
         </a:fontRef>
       </dsp:style>
       <dsp:txBody>
-        <a:bodyPr spcFirstLastPara="0" vert="horz" wrap="square" lIns="68009" tIns="22670" rIns="22670" bIns="22670" numCol="1" spcCol="1270" anchor="ctr" anchorCtr="0">
+        <a:bodyPr spcFirstLastPara="0" vert="horz" wrap="square" lIns="64008" tIns="21336" rIns="21336" bIns="21336" numCol="1" spcCol="1270" anchor="ctr" anchorCtr="0">
           <a:noAutofit/>
         </a:bodyPr>
         <a:lstStyle/>
         <a:p>
-          <a:pPr marL="0" lvl="0" indent="0" algn="ctr" defTabSz="755650">
+          <a:pPr marL="0" lvl="0" indent="0" algn="ctr" defTabSz="711200">
             <a:lnSpc>
               <a:spcPct val="90000"/>
             </a:lnSpc>
@@ -1511,7 +1551,7 @@
             <a:buNone/>
           </a:pPr>
           <a:r>
-            <a:rPr lang="de-DE" sz="1700" b="1" kern="1200" dirty="0">
+            <a:rPr lang="de-DE" sz="1600" b="1" kern="1200" dirty="0">
               <a:solidFill>
                 <a:schemeClr val="tx1"/>
               </a:solidFill>
@@ -1570,12 +1610,12 @@
         </a:fontRef>
       </dsp:style>
       <dsp:txBody>
-        <a:bodyPr spcFirstLastPara="0" vert="horz" wrap="square" lIns="68009" tIns="22670" rIns="22670" bIns="22670" numCol="1" spcCol="1270" anchor="ctr" anchorCtr="0">
+        <a:bodyPr spcFirstLastPara="0" vert="horz" wrap="square" lIns="64008" tIns="21336" rIns="21336" bIns="21336" numCol="1" spcCol="1270" anchor="ctr" anchorCtr="0">
           <a:noAutofit/>
         </a:bodyPr>
         <a:lstStyle/>
         <a:p>
-          <a:pPr marL="0" lvl="0" indent="0" algn="ctr" defTabSz="755650">
+          <a:pPr marL="0" lvl="0" indent="0" algn="ctr" defTabSz="711200">
             <a:lnSpc>
               <a:spcPct val="90000"/>
             </a:lnSpc>
@@ -1588,7 +1628,7 @@
             <a:buNone/>
           </a:pPr>
           <a:r>
-            <a:rPr lang="de-DE" sz="1700" b="1" kern="1200" dirty="0">
+            <a:rPr lang="de-DE" sz="1600" b="1" kern="1200" dirty="0">
               <a:solidFill>
                 <a:schemeClr val="tx1"/>
               </a:solidFill>
@@ -1650,12 +1690,12 @@
         </a:fontRef>
       </dsp:style>
       <dsp:txBody>
-        <a:bodyPr spcFirstLastPara="0" vert="horz" wrap="square" lIns="68009" tIns="22670" rIns="22670" bIns="22670" numCol="1" spcCol="1270" anchor="ctr" anchorCtr="0">
+        <a:bodyPr spcFirstLastPara="0" vert="horz" wrap="square" lIns="64008" tIns="21336" rIns="21336" bIns="21336" numCol="1" spcCol="1270" anchor="ctr" anchorCtr="0">
           <a:noAutofit/>
         </a:bodyPr>
         <a:lstStyle/>
         <a:p>
-          <a:pPr marL="0" lvl="0" indent="0" algn="ctr" defTabSz="755650">
+          <a:pPr marL="0" lvl="0" indent="0" algn="ctr" defTabSz="711200">
             <a:lnSpc>
               <a:spcPct val="90000"/>
             </a:lnSpc>
@@ -1668,14 +1708,14 @@
             <a:buNone/>
           </a:pPr>
           <a:r>
-            <a:rPr lang="de-DE" sz="1700" b="1" kern="1200" dirty="0" err="1">
+            <a:rPr lang="de-DE" sz="1600" b="1" kern="1200" dirty="0" err="1">
               <a:solidFill>
                 <a:schemeClr val="tx1"/>
               </a:solidFill>
             </a:rPr>
             <a:t>RegEx</a:t>
           </a:r>
-          <a:endParaRPr lang="de-DE" sz="1700" b="1" kern="1200" dirty="0">
+          <a:endParaRPr lang="de-DE" sz="1600" b="1" kern="1200" dirty="0">
             <a:solidFill>
               <a:schemeClr val="tx1"/>
             </a:solidFill>
@@ -1732,12 +1772,12 @@
         </a:fontRef>
       </dsp:style>
       <dsp:txBody>
-        <a:bodyPr spcFirstLastPara="0" vert="horz" wrap="square" lIns="68009" tIns="22670" rIns="22670" bIns="22670" numCol="1" spcCol="1270" anchor="ctr" anchorCtr="0">
+        <a:bodyPr spcFirstLastPara="0" vert="horz" wrap="square" lIns="64008" tIns="21336" rIns="21336" bIns="21336" numCol="1" spcCol="1270" anchor="ctr" anchorCtr="0">
           <a:noAutofit/>
         </a:bodyPr>
         <a:lstStyle/>
         <a:p>
-          <a:pPr marL="0" lvl="0" indent="0" algn="ctr" defTabSz="755650">
+          <a:pPr marL="0" lvl="0" indent="0" algn="ctr" defTabSz="711200">
             <a:lnSpc>
               <a:spcPct val="90000"/>
             </a:lnSpc>
@@ -1750,12 +1790,12 @@
             <a:buNone/>
           </a:pPr>
           <a:r>
-            <a:rPr lang="de-DE" sz="1700" b="1" kern="1200" dirty="0">
+            <a:rPr lang="de-DE" sz="1600" b="1" kern="1200" dirty="0">
               <a:solidFill>
                 <a:schemeClr val="tx1"/>
               </a:solidFill>
             </a:rPr>
-            <a:t>NER- und POS-Tagger</a:t>
+            <a:t>NER-Tagger und manuelles Parsen</a:t>
           </a:r>
         </a:p>
       </dsp:txBody>
@@ -1812,12 +1852,12 @@
         </a:fontRef>
       </dsp:style>
       <dsp:txBody>
-        <a:bodyPr spcFirstLastPara="0" vert="horz" wrap="square" lIns="68009" tIns="22670" rIns="22670" bIns="22670" numCol="1" spcCol="1270" anchor="ctr" anchorCtr="0">
+        <a:bodyPr spcFirstLastPara="0" vert="horz" wrap="square" lIns="64008" tIns="21336" rIns="21336" bIns="21336" numCol="1" spcCol="1270" anchor="ctr" anchorCtr="0">
           <a:noAutofit/>
         </a:bodyPr>
         <a:lstStyle/>
         <a:p>
-          <a:pPr marL="0" lvl="0" indent="0" algn="ctr" defTabSz="755650">
+          <a:pPr marL="0" lvl="0" indent="0" algn="ctr" defTabSz="711200">
             <a:lnSpc>
               <a:spcPct val="90000"/>
             </a:lnSpc>
@@ -1830,7 +1870,7 @@
             <a:buNone/>
           </a:pPr>
           <a:r>
-            <a:rPr lang="de-DE" sz="1700" b="1" kern="1200" dirty="0">
+            <a:rPr lang="de-DE" sz="1600" b="1" kern="1200" dirty="0">
               <a:solidFill>
                 <a:schemeClr val="tx1"/>
               </a:solidFill>
@@ -3247,7 +3287,7 @@
           <a:p>
             <a:fld id="{710F1C6C-D8CC-F94D-BF45-CAC98A227763}" type="datetimeFigureOut">
               <a:rPr lang="de-DE" smtClean="0"/>
-              <a:t>16.07.24</a:t>
+              <a:t>17.07.2024</a:t>
             </a:fld>
             <a:endParaRPr lang="de-DE"/>
           </a:p>
@@ -6657,7 +6697,7 @@
           <a:p>
             <a:fld id="{0BDC4764-F656-4735-9820-9886F8DF1D6A}" type="datetime1">
               <a:rPr lang="en-US" smtClean="0"/>
-              <a:t>7/16/24</a:t>
+              <a:t>7/17/2024</a:t>
             </a:fld>
             <a:endParaRPr lang="en-US" dirty="0"/>
           </a:p>
@@ -13426,7 +13466,7 @@
             <p:ph idx="1"/>
             <p:extLst>
               <p:ext uri="{D42A27DB-BD31-4B8C-83A1-F6EECF244321}">
-                <p14:modId xmlns:p14="http://schemas.microsoft.com/office/powerpoint/2010/main" val="1003800455"/>
+                <p14:modId xmlns:p14="http://schemas.microsoft.com/office/powerpoint/2010/main" val="1850077199"/>
               </p:ext>
             </p:extLst>
           </p:nvPr>
@@ -13456,7 +13496,7 @@
           <p:nvPr>
             <p:extLst>
               <p:ext uri="{D42A27DB-BD31-4B8C-83A1-F6EECF244321}">
-                <p14:modId xmlns:p14="http://schemas.microsoft.com/office/powerpoint/2010/main" val="255874688"/>
+                <p14:modId xmlns:p14="http://schemas.microsoft.com/office/powerpoint/2010/main" val="1928682962"/>
               </p:ext>
             </p:extLst>
           </p:nvPr>
@@ -13743,6 +13783,38 @@
                       </a:endParaRPr>
                     </a:p>
                     <a:p>
+                      <a:pPr marL="285750" marR="0" lvl="0" indent="-285750" algn="l" defTabSz="914400" rtl="0" eaLnBrk="1" fontAlgn="auto" latinLnBrk="0" hangingPunct="1">
+                        <a:lnSpc>
+                          <a:spcPct val="100000"/>
+                        </a:lnSpc>
+                        <a:spcBef>
+                          <a:spcPts val="0"/>
+                        </a:spcBef>
+                        <a:spcAft>
+                          <a:spcPts val="0"/>
+                        </a:spcAft>
+                        <a:buClrTx/>
+                        <a:buSzTx/>
+                        <a:buFont typeface="Arial" panose="020B0604020202020204" pitchFamily="34" charset="0"/>
+                        <a:buChar char="•"/>
+                        <a:tabLst/>
+                        <a:defRPr/>
+                      </a:pPr>
+                      <a:r>
+                        <a:rPr lang="de-DE" sz="1600" b="0" dirty="0" err="1">
+                          <a:solidFill>
+                            <a:schemeClr val="tx1"/>
+                          </a:solidFill>
+                        </a:rPr>
+                        <a:t>month</a:t>
+                      </a:r>
+                      <a:endParaRPr lang="de-DE" sz="1600" b="0" dirty="0">
+                        <a:solidFill>
+                          <a:schemeClr val="tx1"/>
+                        </a:solidFill>
+                      </a:endParaRPr>
+                    </a:p>
+                    <a:p>
                       <a:pPr marL="285750" indent="-285750">
                         <a:buFont typeface="Arial" panose="020B0604020202020204" pitchFamily="34" charset="0"/>
                         <a:buChar char="•"/>
@@ -14018,25 +14090,6 @@
                             <a:schemeClr val="tx1"/>
                           </a:solidFill>
                         </a:rPr>
-                        <a:t>month</a:t>
-                      </a:r>
-                      <a:endParaRPr lang="de-DE" sz="1600" b="0" dirty="0">
-                        <a:solidFill>
-                          <a:schemeClr val="tx1"/>
-                        </a:solidFill>
-                      </a:endParaRPr>
-                    </a:p>
-                    <a:p>
-                      <a:pPr marL="285750" indent="-285750">
-                        <a:buFont typeface="Arial" panose="020B0604020202020204" pitchFamily="34" charset="0"/>
-                        <a:buChar char="•"/>
-                      </a:pPr>
-                      <a:r>
-                        <a:rPr lang="de-DE" sz="1600" b="0" dirty="0" err="1">
-                          <a:solidFill>
-                            <a:schemeClr val="tx1"/>
-                          </a:solidFill>
-                        </a:rPr>
                         <a:t>address</a:t>
                       </a:r>
                       <a:endParaRPr lang="de-DE" sz="1600" b="0" dirty="0">
@@ -14094,20 +14147,6 @@
                         <a:t>Standardisierung</a:t>
                       </a:r>
                     </a:p>
-                    <a:p>
-                      <a:pPr marL="285750" indent="-285750">
-                        <a:buFont typeface="Arial" panose="020B0604020202020204" pitchFamily="34" charset="0"/>
-                        <a:buChar char="•"/>
-                      </a:pPr>
-                      <a:r>
-                        <a:rPr lang="de-DE" sz="1600" b="0" dirty="0">
-                          <a:solidFill>
-                            <a:schemeClr val="tx1"/>
-                          </a:solidFill>
-                        </a:rPr>
-                        <a:t>Vervollständigung</a:t>
-                      </a:r>
-                    </a:p>
                   </a:txBody>
                   <a:tcPr>
                     <a:lnL w="12700" cap="flat" cmpd="sng" algn="ctr">
@@ -14161,118 +14200,6 @@
           </a:graphicData>
         </a:graphic>
       </p:graphicFrame>
-      <p:sp>
-        <p:nvSpPr>
-          <p:cNvPr id="16" name="Textfeld 15">
-            <a:extLst>
-              <a:ext uri="{FF2B5EF4-FFF2-40B4-BE49-F238E27FC236}">
-                <a16:creationId xmlns:a16="http://schemas.microsoft.com/office/drawing/2014/main" id="{2A98EDB6-1737-F42F-5509-EF34F43B364E}"/>
-              </a:ext>
-            </a:extLst>
-          </p:cNvPr>
-          <p:cNvSpPr txBox="1"/>
-          <p:nvPr/>
-        </p:nvSpPr>
-        <p:spPr>
-          <a:xfrm>
-            <a:off x="871108" y="5061584"/>
-            <a:ext cx="9396886" cy="1200329"/>
-          </a:xfrm>
-          <a:prstGeom prst="rect">
-            <a:avLst/>
-          </a:prstGeom>
-          <a:noFill/>
-        </p:spPr>
-        <p:txBody>
-          <a:bodyPr wrap="square" rtlCol="0">
-            <a:spAutoFit/>
-          </a:bodyPr>
-          <a:lstStyle/>
-          <a:p>
-            <a:pPr marL="285750" indent="-285750">
-              <a:buFont typeface="Arial" panose="020B0604020202020204" pitchFamily="34" charset="0"/>
-              <a:buChar char="•"/>
-            </a:pPr>
-            <a:r>
-              <a:rPr lang="de-DE" dirty="0"/>
-              <a:t>Klassifizierer und Tagger aus </a:t>
-            </a:r>
-            <a:r>
-              <a:rPr lang="de-DE" dirty="0" err="1"/>
-              <a:t>Hugging</a:t>
-            </a:r>
-            <a:r>
-              <a:rPr lang="de-DE" dirty="0"/>
-              <a:t> Face Transformers Bibliothek</a:t>
-            </a:r>
-          </a:p>
-          <a:p>
-            <a:pPr marL="285750" indent="-285750">
-              <a:buFont typeface="Arial" panose="020B0604020202020204" pitchFamily="34" charset="0"/>
-              <a:buChar char="•"/>
-            </a:pPr>
-            <a:r>
-              <a:rPr lang="de-DE" dirty="0"/>
-              <a:t>ein binärer Literaturtyp-Klassifizierer (Finetuning </a:t>
-            </a:r>
-            <a:r>
-              <a:rPr lang="de-DE" dirty="0" err="1"/>
-              <a:t>distilbert</a:t>
-            </a:r>
-            <a:r>
-              <a:rPr lang="de-DE" dirty="0"/>
-              <a:t>-base-</a:t>
-            </a:r>
-            <a:r>
-              <a:rPr lang="de-DE" dirty="0" err="1"/>
-              <a:t>uncased</a:t>
-            </a:r>
-            <a:r>
-              <a:rPr lang="de-DE" dirty="0"/>
-              <a:t>) spezialisiert sich auf das Erkennen eines Typs</a:t>
-            </a:r>
-          </a:p>
-          <a:p>
-            <a:pPr marL="285750" indent="-285750">
-              <a:buFont typeface="Arial" panose="020B0604020202020204" pitchFamily="34" charset="0"/>
-              <a:buChar char="•"/>
-            </a:pPr>
-            <a:r>
-              <a:rPr lang="de-DE" dirty="0"/>
-              <a:t>Vervollständigung mithilfe externer Quellen: </a:t>
-            </a:r>
-            <a:r>
-              <a:rPr lang="de-DE" dirty="0" err="1"/>
-              <a:t>Pybliometrics</a:t>
-            </a:r>
-            <a:r>
-              <a:rPr lang="de-DE" dirty="0"/>
-              <a:t>, </a:t>
-            </a:r>
-            <a:r>
-              <a:rPr lang="de-DE" dirty="0" err="1"/>
-              <a:t>Scholarly</a:t>
-            </a:r>
-            <a:r>
-              <a:rPr lang="de-DE" dirty="0"/>
-              <a:t>, </a:t>
-            </a:r>
-            <a:r>
-              <a:rPr lang="de-DE" dirty="0" err="1"/>
-              <a:t>Arxiv</a:t>
-            </a:r>
-            <a:r>
-              <a:rPr lang="de-DE" dirty="0"/>
-              <a:t>, </a:t>
-            </a:r>
-            <a:r>
-              <a:rPr lang="de-DE" dirty="0" err="1"/>
-              <a:t>Pybliographer</a:t>
-            </a:r>
-            <a:endParaRPr lang="de-DE" dirty="0"/>
-          </a:p>
-        </p:txBody>
-      </p:sp>
     </p:spTree>
     <p:extLst>
       <p:ext uri="{BB962C8B-B14F-4D97-AF65-F5344CB8AC3E}">

--- a/Dokumente/Abschlussdemo_Bibtex_Konverter.pptx
+++ b/Dokumente/Abschlussdemo_Bibtex_Konverter.pptx
@@ -5,18 +5,19 @@
     <p:sldMasterId id="2147483712" r:id="rId1"/>
   </p:sldMasterIdLst>
   <p:notesMasterIdLst>
-    <p:notesMasterId r:id="rId11"/>
+    <p:notesMasterId r:id="rId12"/>
   </p:notesMasterIdLst>
   <p:sldIdLst>
     <p:sldId id="256" r:id="rId2"/>
     <p:sldId id="257" r:id="rId3"/>
     <p:sldId id="258" r:id="rId4"/>
     <p:sldId id="259" r:id="rId5"/>
-    <p:sldId id="262" r:id="rId6"/>
-    <p:sldId id="266" r:id="rId7"/>
-    <p:sldId id="261" r:id="rId8"/>
-    <p:sldId id="260" r:id="rId9"/>
-    <p:sldId id="263" r:id="rId10"/>
+    <p:sldId id="267" r:id="rId6"/>
+    <p:sldId id="262" r:id="rId7"/>
+    <p:sldId id="266" r:id="rId8"/>
+    <p:sldId id="261" r:id="rId9"/>
+    <p:sldId id="260" r:id="rId10"/>
+    <p:sldId id="263" r:id="rId11"/>
   </p:sldIdLst>
   <p:sldSz cx="12192000" cy="6858000"/>
   <p:notesSz cx="6858000" cy="9144000"/>
@@ -126,7 +127,7 @@
 <file path=ppt/revisionInfo.xml><?xml version="1.0" encoding="utf-8"?>
 <p1510:revInfo xmlns:a="http://schemas.openxmlformats.org/drawingml/2006/main" xmlns:r="http://schemas.openxmlformats.org/officeDocument/2006/relationships" xmlns:p1510="http://schemas.microsoft.com/office/powerpoint/2015/10/main">
   <p1510:revLst>
-    <p1510:client id="{FE1DD21D-047C-4DA7-8548-ABB0D482636F}" v="34" dt="2024-07-17T16:50:16.036"/>
+    <p1510:client id="{FE1DD21D-047C-4DA7-8548-ABB0D482636F}" v="62" dt="2024-07-17T18:14:45.370"/>
   </p1510:revLst>
 </p1510:revInfo>
 </file>
@@ -339,17 +340,41 @@
   </pc:docChgLst>
   <pc:docChgLst>
     <pc:chgData name="Lars Lafleur" userId="a0e371033217b6e9" providerId="LiveId" clId="{FE1DD21D-047C-4DA7-8548-ABB0D482636F}"/>
-    <pc:docChg chg="custSel modSld">
-      <pc:chgData name="Lars Lafleur" userId="a0e371033217b6e9" providerId="LiveId" clId="{FE1DD21D-047C-4DA7-8548-ABB0D482636F}" dt="2024-07-17T16:50:37.473" v="44" actId="21"/>
+    <pc:docChg chg="undo redo custSel addSld modSld">
+      <pc:chgData name="Lars Lafleur" userId="a0e371033217b6e9" providerId="LiveId" clId="{FE1DD21D-047C-4DA7-8548-ABB0D482636F}" dt="2024-07-17T18:15:15.497" v="227" actId="1076"/>
       <pc:docMkLst>
         <pc:docMk/>
       </pc:docMkLst>
-      <pc:sldChg chg="delSp modSp mod">
-        <pc:chgData name="Lars Lafleur" userId="a0e371033217b6e9" providerId="LiveId" clId="{FE1DD21D-047C-4DA7-8548-ABB0D482636F}" dt="2024-07-17T16:50:37.473" v="44" actId="21"/>
+      <pc:sldChg chg="addSp delSp modSp mod">
+        <pc:chgData name="Lars Lafleur" userId="a0e371033217b6e9" providerId="LiveId" clId="{FE1DD21D-047C-4DA7-8548-ABB0D482636F}" dt="2024-07-17T18:15:15.497" v="227" actId="1076"/>
         <pc:sldMkLst>
           <pc:docMk/>
           <pc:sldMk cId="4226524386" sldId="259"/>
         </pc:sldMkLst>
+        <pc:spChg chg="add mod">
+          <ac:chgData name="Lars Lafleur" userId="a0e371033217b6e9" providerId="LiveId" clId="{FE1DD21D-047C-4DA7-8548-ABB0D482636F}" dt="2024-07-17T17:37:47.301" v="57" actId="1076"/>
+          <ac:spMkLst>
+            <pc:docMk/>
+            <pc:sldMk cId="4226524386" sldId="259"/>
+            <ac:spMk id="3" creationId="{5B943A45-2914-19A5-E73B-017785852517}"/>
+          </ac:spMkLst>
+        </pc:spChg>
+        <pc:spChg chg="add del mod">
+          <ac:chgData name="Lars Lafleur" userId="a0e371033217b6e9" providerId="LiveId" clId="{FE1DD21D-047C-4DA7-8548-ABB0D482636F}" dt="2024-07-17T18:15:07.942" v="226" actId="1076"/>
+          <ac:spMkLst>
+            <pc:docMk/>
+            <pc:sldMk cId="4226524386" sldId="259"/>
+            <ac:spMk id="5" creationId="{89671999-8BF1-CD9D-B2F0-3CF06719A666}"/>
+          </ac:spMkLst>
+        </pc:spChg>
+        <pc:spChg chg="add del mod">
+          <ac:chgData name="Lars Lafleur" userId="a0e371033217b6e9" providerId="LiveId" clId="{FE1DD21D-047C-4DA7-8548-ABB0D482636F}" dt="2024-07-17T18:00:41.586" v="120"/>
+          <ac:spMkLst>
+            <pc:docMk/>
+            <pc:sldMk cId="4226524386" sldId="259"/>
+            <ac:spMk id="7" creationId="{390E2560-D764-1E2F-6823-40C6BD3653AA}"/>
+          </ac:spMkLst>
+        </pc:spChg>
         <pc:spChg chg="del mod">
           <ac:chgData name="Lars Lafleur" userId="a0e371033217b6e9" providerId="LiveId" clId="{FE1DD21D-047C-4DA7-8548-ABB0D482636F}" dt="2024-07-17T16:50:37.473" v="44" actId="21"/>
           <ac:spMkLst>
@@ -359,7 +384,7 @@
           </ac:spMkLst>
         </pc:spChg>
         <pc:graphicFrameChg chg="mod">
-          <ac:chgData name="Lars Lafleur" userId="a0e371033217b6e9" providerId="LiveId" clId="{FE1DD21D-047C-4DA7-8548-ABB0D482636F}" dt="2024-07-17T16:50:16.036" v="42" actId="20577"/>
+          <ac:chgData name="Lars Lafleur" userId="a0e371033217b6e9" providerId="LiveId" clId="{FE1DD21D-047C-4DA7-8548-ABB0D482636F}" dt="2024-07-17T18:15:15.497" v="227" actId="1076"/>
           <ac:graphicFrameMkLst>
             <pc:docMk/>
             <pc:sldMk cId="4226524386" sldId="259"/>
@@ -367,13 +392,68 @@
           </ac:graphicFrameMkLst>
         </pc:graphicFrameChg>
         <pc:graphicFrameChg chg="mod modGraphic">
-          <ac:chgData name="Lars Lafleur" userId="a0e371033217b6e9" providerId="LiveId" clId="{FE1DD21D-047C-4DA7-8548-ABB0D482636F}" dt="2024-07-17T16:48:29.009" v="10" actId="20577"/>
+          <ac:chgData name="Lars Lafleur" userId="a0e371033217b6e9" providerId="LiveId" clId="{FE1DD21D-047C-4DA7-8548-ABB0D482636F}" dt="2024-07-17T18:14:53.298" v="224" actId="1076"/>
           <ac:graphicFrameMkLst>
             <pc:docMk/>
             <pc:sldMk cId="4226524386" sldId="259"/>
             <ac:graphicFrameMk id="15" creationId="{E58D3868-3BBA-1956-F9A5-A5932B3023D6}"/>
           </ac:graphicFrameMkLst>
         </pc:graphicFrameChg>
+      </pc:sldChg>
+      <pc:sldChg chg="addSp delSp modSp new mod">
+        <pc:chgData name="Lars Lafleur" userId="a0e371033217b6e9" providerId="LiveId" clId="{FE1DD21D-047C-4DA7-8548-ABB0D482636F}" dt="2024-07-17T18:09:57.975" v="202" actId="26606"/>
+        <pc:sldMkLst>
+          <pc:docMk/>
+          <pc:sldMk cId="3667727606" sldId="267"/>
+        </pc:sldMkLst>
+        <pc:spChg chg="mod">
+          <ac:chgData name="Lars Lafleur" userId="a0e371033217b6e9" providerId="LiveId" clId="{FE1DD21D-047C-4DA7-8548-ABB0D482636F}" dt="2024-07-17T18:09:57.975" v="202" actId="26606"/>
+          <ac:spMkLst>
+            <pc:docMk/>
+            <pc:sldMk cId="3667727606" sldId="267"/>
+            <ac:spMk id="2" creationId="{6B0D5E08-BADD-3F93-DB54-51EA92A4DF52}"/>
+          </ac:spMkLst>
+        </pc:spChg>
+        <pc:spChg chg="del mod">
+          <ac:chgData name="Lars Lafleur" userId="a0e371033217b6e9" providerId="LiveId" clId="{FE1DD21D-047C-4DA7-8548-ABB0D482636F}" dt="2024-07-17T18:07:31.334" v="196" actId="478"/>
+          <ac:spMkLst>
+            <pc:docMk/>
+            <pc:sldMk cId="3667727606" sldId="267"/>
+            <ac:spMk id="3" creationId="{C0E1E7B7-8F87-7C87-A5D5-1857A1D1FA15}"/>
+          </ac:spMkLst>
+        </pc:spChg>
+        <pc:spChg chg="mod">
+          <ac:chgData name="Lars Lafleur" userId="a0e371033217b6e9" providerId="LiveId" clId="{FE1DD21D-047C-4DA7-8548-ABB0D482636F}" dt="2024-07-17T18:09:57.975" v="202" actId="26606"/>
+          <ac:spMkLst>
+            <pc:docMk/>
+            <pc:sldMk cId="3667727606" sldId="267"/>
+            <ac:spMk id="4" creationId="{C033C91A-546E-7940-CF21-90388A463F11}"/>
+          </ac:spMkLst>
+        </pc:spChg>
+        <pc:spChg chg="mod">
+          <ac:chgData name="Lars Lafleur" userId="a0e371033217b6e9" providerId="LiveId" clId="{FE1DD21D-047C-4DA7-8548-ABB0D482636F}" dt="2024-07-17T18:09:57.975" v="202" actId="26606"/>
+          <ac:spMkLst>
+            <pc:docMk/>
+            <pc:sldMk cId="3667727606" sldId="267"/>
+            <ac:spMk id="5" creationId="{64F7BAE7-F903-5CAB-BBDF-95FC4235A2C2}"/>
+          </ac:spMkLst>
+        </pc:spChg>
+        <pc:spChg chg="mod">
+          <ac:chgData name="Lars Lafleur" userId="a0e371033217b6e9" providerId="LiveId" clId="{FE1DD21D-047C-4DA7-8548-ABB0D482636F}" dt="2024-07-17T18:09:57.975" v="202" actId="26606"/>
+          <ac:spMkLst>
+            <pc:docMk/>
+            <pc:sldMk cId="3667727606" sldId="267"/>
+            <ac:spMk id="6" creationId="{0B3D6867-38BA-C430-49CD-BE1AE53F2E90}"/>
+          </ac:spMkLst>
+        </pc:spChg>
+        <pc:picChg chg="add mod ord">
+          <ac:chgData name="Lars Lafleur" userId="a0e371033217b6e9" providerId="LiveId" clId="{FE1DD21D-047C-4DA7-8548-ABB0D482636F}" dt="2024-07-17T18:09:57.975" v="202" actId="26606"/>
+          <ac:picMkLst>
+            <pc:docMk/>
+            <pc:sldMk cId="3667727606" sldId="267"/>
+            <ac:picMk id="8" creationId="{1C48F5E1-3AD0-20F7-C6C8-B367974D1781}"/>
+          </ac:picMkLst>
+        </pc:picChg>
       </pc:sldChg>
     </pc:docChg>
   </pc:docChgLst>
@@ -3619,7 +3699,7 @@
           <a:p>
             <a:fld id="{4F9437DF-A6EC-EE42-80A6-71063A224058}" type="slidenum">
               <a:rPr lang="de-DE" smtClean="0"/>
-              <a:t>5</a:t>
+              <a:t>6</a:t>
             </a:fld>
             <a:endParaRPr lang="de-DE"/>
           </a:p>
@@ -3703,7 +3783,7 @@
           <a:p>
             <a:fld id="{4F9437DF-A6EC-EE42-80A6-71063A224058}" type="slidenum">
               <a:rPr lang="de-DE" smtClean="0"/>
-              <a:t>7</a:t>
+              <a:t>8</a:t>
             </a:fld>
             <a:endParaRPr lang="de-DE"/>
           </a:p>
@@ -3787,7 +3867,7 @@
           <a:p>
             <a:fld id="{4F9437DF-A6EC-EE42-80A6-71063A224058}" type="slidenum">
               <a:rPr lang="de-DE" smtClean="0"/>
-              <a:t>8</a:t>
+              <a:t>9</a:t>
             </a:fld>
             <a:endParaRPr lang="de-DE"/>
           </a:p>
@@ -7870,6 +7950,159 @@
     <p:extLst>
       <p:ext uri="{BB962C8B-B14F-4D97-AF65-F5344CB8AC3E}">
         <p14:creationId xmlns:p14="http://schemas.microsoft.com/office/powerpoint/2010/main" val="807387138"/>
+      </p:ext>
+    </p:extLst>
+  </p:cSld>
+  <p:clrMapOvr>
+    <a:masterClrMapping/>
+  </p:clrMapOvr>
+</p:sld>
+</file>
+
+<file path=ppt/slides/slide10.xml><?xml version="1.0" encoding="utf-8"?>
+<p:sld xmlns:a="http://schemas.openxmlformats.org/drawingml/2006/main" xmlns:r="http://schemas.openxmlformats.org/officeDocument/2006/relationships" xmlns:p="http://schemas.openxmlformats.org/presentationml/2006/main">
+  <p:cSld>
+    <p:spTree>
+      <p:nvGrpSpPr>
+        <p:cNvPr id="1" name=""/>
+        <p:cNvGrpSpPr/>
+        <p:nvPr/>
+      </p:nvGrpSpPr>
+      <p:grpSpPr>
+        <a:xfrm>
+          <a:off x="0" y="0"/>
+          <a:ext cx="0" cy="0"/>
+          <a:chOff x="0" y="0"/>
+          <a:chExt cx="0" cy="0"/>
+        </a:xfrm>
+      </p:grpSpPr>
+      <p:sp>
+        <p:nvSpPr>
+          <p:cNvPr id="3" name="Inhaltsplatzhalter 2">
+            <a:extLst>
+              <a:ext uri="{FF2B5EF4-FFF2-40B4-BE49-F238E27FC236}">
+                <a16:creationId xmlns:a16="http://schemas.microsoft.com/office/drawing/2014/main" id="{9150E465-A7C6-ADC3-2638-FE3FBB26F758}"/>
+              </a:ext>
+            </a:extLst>
+          </p:cNvPr>
+          <p:cNvSpPr>
+            <a:spLocks noGrp="1"/>
+          </p:cNvSpPr>
+          <p:nvPr>
+            <p:ph idx="1"/>
+          </p:nvPr>
+        </p:nvSpPr>
+        <p:spPr>
+          <a:xfrm>
+            <a:off x="877824" y="1066800"/>
+            <a:ext cx="10442448" cy="4995003"/>
+          </a:xfrm>
+        </p:spPr>
+        <p:txBody>
+          <a:bodyPr/>
+          <a:lstStyle/>
+          <a:p>
+            <a:pPr marL="0" indent="0">
+              <a:buNone/>
+            </a:pPr>
+            <a:r>
+              <a:rPr lang="de-DE" dirty="0"/>
+              <a:t>			</a:t>
+            </a:r>
+          </a:p>
+          <a:p>
+            <a:pPr marL="0" indent="0">
+              <a:buNone/>
+            </a:pPr>
+            <a:endParaRPr lang="de-DE" dirty="0"/>
+          </a:p>
+          <a:p>
+            <a:pPr marL="0" indent="0">
+              <a:buNone/>
+            </a:pPr>
+            <a:endParaRPr lang="de-DE" dirty="0"/>
+          </a:p>
+          <a:p>
+            <a:pPr marL="0" indent="0">
+              <a:buNone/>
+            </a:pPr>
+            <a:r>
+              <a:rPr lang="de-DE" sz="3600" dirty="0"/>
+              <a:t>			</a:t>
+            </a:r>
+          </a:p>
+          <a:p>
+            <a:pPr marL="0" indent="0">
+              <a:buNone/>
+            </a:pPr>
+            <a:r>
+              <a:rPr lang="de-DE" sz="3600" dirty="0"/>
+              <a:t>			       Feedback/Fragen?</a:t>
+            </a:r>
+          </a:p>
+        </p:txBody>
+      </p:sp>
+      <p:sp>
+        <p:nvSpPr>
+          <p:cNvPr id="4" name="Datumsplatzhalter 3">
+            <a:extLst>
+              <a:ext uri="{FF2B5EF4-FFF2-40B4-BE49-F238E27FC236}">
+                <a16:creationId xmlns:a16="http://schemas.microsoft.com/office/drawing/2014/main" id="{73C6B035-7C10-2EA5-3BFC-4D52514750FC}"/>
+              </a:ext>
+            </a:extLst>
+          </p:cNvPr>
+          <p:cNvSpPr>
+            <a:spLocks noGrp="1"/>
+          </p:cNvSpPr>
+          <p:nvPr>
+            <p:ph type="dt" sz="half" idx="10"/>
+          </p:nvPr>
+        </p:nvSpPr>
+        <p:spPr/>
+        <p:txBody>
+          <a:bodyPr/>
+          <a:lstStyle/>
+          <a:p>
+            <a:r>
+              <a:rPr lang="en-US" dirty="0"/>
+              <a:t>18.7.2024</a:t>
+            </a:r>
+          </a:p>
+        </p:txBody>
+      </p:sp>
+      <p:sp>
+        <p:nvSpPr>
+          <p:cNvPr id="6" name="Foliennummernplatzhalter 5">
+            <a:extLst>
+              <a:ext uri="{FF2B5EF4-FFF2-40B4-BE49-F238E27FC236}">
+                <a16:creationId xmlns:a16="http://schemas.microsoft.com/office/drawing/2014/main" id="{7F4CEA4B-6BE1-E65E-836F-0C070AD52595}"/>
+              </a:ext>
+            </a:extLst>
+          </p:cNvPr>
+          <p:cNvSpPr>
+            <a:spLocks noGrp="1"/>
+          </p:cNvSpPr>
+          <p:nvPr>
+            <p:ph type="sldNum" sz="quarter" idx="12"/>
+          </p:nvPr>
+        </p:nvSpPr>
+        <p:spPr/>
+        <p:txBody>
+          <a:bodyPr/>
+          <a:lstStyle/>
+          <a:p>
+            <a:fld id="{C68AC1EC-23E2-4F0E-A5A4-674EC8DB954E}" type="slidenum">
+              <a:rPr lang="en-US" smtClean="0"/>
+              <a:t>10</a:t>
+            </a:fld>
+            <a:endParaRPr lang="en-US"/>
+          </a:p>
+        </p:txBody>
+      </p:sp>
+    </p:spTree>
+    <p:extLst>
+      <p:ext uri="{BB962C8B-B14F-4D97-AF65-F5344CB8AC3E}">
+        <p14:creationId xmlns:p14="http://schemas.microsoft.com/office/powerpoint/2010/main" val="2591551910"/>
       </p:ext>
     </p:extLst>
   </p:cSld>
@@ -13466,13 +13699,13 @@
             <p:ph idx="1"/>
             <p:extLst>
               <p:ext uri="{D42A27DB-BD31-4B8C-83A1-F6EECF244321}">
-                <p14:modId xmlns:p14="http://schemas.microsoft.com/office/powerpoint/2010/main" val="1850077199"/>
+                <p14:modId xmlns:p14="http://schemas.microsoft.com/office/powerpoint/2010/main" val="3789143070"/>
               </p:ext>
             </p:extLst>
           </p:nvPr>
         </p:nvGraphicFramePr>
         <p:xfrm>
-          <a:off x="877824" y="1221210"/>
+          <a:off x="871108" y="3050081"/>
           <a:ext cx="10442575" cy="1492494"/>
         </p:xfrm>
         <a:graphic>
@@ -13496,14 +13729,14 @@
           <p:nvPr>
             <p:extLst>
               <p:ext uri="{D42A27DB-BD31-4B8C-83A1-F6EECF244321}">
-                <p14:modId xmlns:p14="http://schemas.microsoft.com/office/powerpoint/2010/main" val="1928682962"/>
+                <p14:modId xmlns:p14="http://schemas.microsoft.com/office/powerpoint/2010/main" val="768865441"/>
               </p:ext>
             </p:extLst>
           </p:nvPr>
         </p:nvGraphicFramePr>
         <p:xfrm>
-          <a:off x="877824" y="2713704"/>
-          <a:ext cx="10443070" cy="2042160"/>
+          <a:off x="878069" y="4697876"/>
+          <a:ext cx="10443070" cy="1554480"/>
         </p:xfrm>
         <a:graphic>
           <a:graphicData uri="http://schemas.openxmlformats.org/drawingml/2006/table">
@@ -13554,66 +13787,9 @@
                     <a:bodyPr/>
                     <a:lstStyle/>
                     <a:p>
-                      <a:pPr marL="285750" indent="-285750">
+                      <a:pPr marL="0" indent="0">
                         <a:buFont typeface="Arial" panose="020B0604020202020204" pitchFamily="34" charset="0"/>
-                        <a:buChar char="•"/>
-                      </a:pPr>
-                      <a:r>
-                        <a:rPr lang="de-DE" sz="1600" b="0" dirty="0" err="1">
-                          <a:solidFill>
-                            <a:schemeClr val="tx1"/>
-                          </a:solidFill>
-                        </a:rPr>
-                        <a:t>book</a:t>
-                      </a:r>
-                      <a:endParaRPr lang="de-DE" sz="1600" b="0" dirty="0">
-                        <a:solidFill>
-                          <a:schemeClr val="tx1"/>
-                        </a:solidFill>
-                      </a:endParaRPr>
-                    </a:p>
-                    <a:p>
-                      <a:pPr marL="285750" indent="-285750">
-                        <a:buFont typeface="Arial" panose="020B0604020202020204" pitchFamily="34" charset="0"/>
-                        <a:buChar char="•"/>
-                      </a:pPr>
-                      <a:r>
-                        <a:rPr lang="de-DE" sz="1600" b="0" dirty="0" err="1">
-                          <a:solidFill>
-                            <a:schemeClr val="tx1"/>
-                          </a:solidFill>
-                        </a:rPr>
-                        <a:t>article</a:t>
-                      </a:r>
-                      <a:endParaRPr lang="de-DE" sz="1600" b="0" dirty="0">
-                        <a:solidFill>
-                          <a:schemeClr val="tx1"/>
-                        </a:solidFill>
-                      </a:endParaRPr>
-                    </a:p>
-                    <a:p>
-                      <a:pPr marL="285750" indent="-285750">
-                        <a:buFont typeface="Arial" panose="020B0604020202020204" pitchFamily="34" charset="0"/>
-                        <a:buChar char="•"/>
-                      </a:pPr>
-                      <a:r>
-                        <a:rPr lang="de-DE" sz="1600" b="0" dirty="0" err="1">
-                          <a:solidFill>
-                            <a:schemeClr val="tx1"/>
-                          </a:solidFill>
-                        </a:rPr>
-                        <a:t>proceedings</a:t>
-                      </a:r>
-                      <a:endParaRPr lang="de-DE" sz="1600" b="0" dirty="0">
-                        <a:solidFill>
-                          <a:schemeClr val="tx1"/>
-                        </a:solidFill>
-                      </a:endParaRPr>
-                    </a:p>
-                    <a:p>
-                      <a:pPr marL="285750" indent="-285750">
-                        <a:buFont typeface="Arial" panose="020B0604020202020204" pitchFamily="34" charset="0"/>
-                        <a:buChar char="•"/>
+                        <a:buNone/>
                       </a:pPr>
                       <a:r>
                         <a:rPr lang="de-DE" sz="1600" b="0" dirty="0" err="1">
@@ -13622,44 +13798,6 @@
                           </a:solidFill>
                         </a:rPr>
                         <a:t>inproceedings</a:t>
-                      </a:r>
-                      <a:endParaRPr lang="de-DE" sz="1600" b="0" dirty="0">
-                        <a:solidFill>
-                          <a:schemeClr val="tx1"/>
-                        </a:solidFill>
-                      </a:endParaRPr>
-                    </a:p>
-                    <a:p>
-                      <a:pPr marL="285750" indent="-285750">
-                        <a:buFont typeface="Arial" panose="020B0604020202020204" pitchFamily="34" charset="0"/>
-                        <a:buChar char="•"/>
-                      </a:pPr>
-                      <a:r>
-                        <a:rPr lang="de-DE" sz="1600" b="0" dirty="0" err="1">
-                          <a:solidFill>
-                            <a:schemeClr val="tx1"/>
-                          </a:solidFill>
-                        </a:rPr>
-                        <a:t>incollection</a:t>
-                      </a:r>
-                      <a:endParaRPr lang="de-DE" sz="1600" b="0" dirty="0">
-                        <a:solidFill>
-                          <a:schemeClr val="tx1"/>
-                        </a:solidFill>
-                      </a:endParaRPr>
-                    </a:p>
-                    <a:p>
-                      <a:pPr marL="285750" indent="-285750">
-                        <a:buFont typeface="Arial" panose="020B0604020202020204" pitchFamily="34" charset="0"/>
-                        <a:buChar char="•"/>
-                      </a:pPr>
-                      <a:r>
-                        <a:rPr lang="de-DE" sz="1600" b="0" dirty="0" err="1">
-                          <a:solidFill>
-                            <a:schemeClr val="tx1"/>
-                          </a:solidFill>
-                        </a:rPr>
-                        <a:t>phdthesis</a:t>
                       </a:r>
                       <a:endParaRPr lang="de-DE" sz="1600" b="0" dirty="0">
                         <a:solidFill>
@@ -13697,36 +13835,17 @@
                     <a:bodyPr/>
                     <a:lstStyle/>
                     <a:p>
-                      <a:pPr marL="285750" indent="-285750">
+                      <a:pPr marL="0" indent="0">
                         <a:buFont typeface="Arial" panose="020B0604020202020204" pitchFamily="34" charset="0"/>
-                        <a:buChar char="•"/>
+                        <a:buNone/>
                       </a:pPr>
                       <a:r>
-                        <a:rPr lang="de-DE" sz="1600" b="0" dirty="0" err="1">
+                        <a:rPr lang="en-US" sz="1600" b="0" dirty="0">
                           <a:solidFill>
                             <a:schemeClr val="tx1"/>
                           </a:solidFill>
                         </a:rPr>
-                        <a:t>authors</a:t>
-                      </a:r>
-                      <a:endParaRPr lang="de-DE" sz="1600" b="0" dirty="0">
-                        <a:solidFill>
-                          <a:schemeClr val="tx1"/>
-                        </a:solidFill>
-                      </a:endParaRPr>
-                    </a:p>
-                    <a:p>
-                      <a:pPr marL="285750" indent="-285750">
-                        <a:buFont typeface="Arial" panose="020B0604020202020204" pitchFamily="34" charset="0"/>
-                        <a:buChar char="•"/>
-                      </a:pPr>
-                      <a:r>
-                        <a:rPr lang="de-DE" sz="1600" b="0" dirty="0" err="1">
-                          <a:solidFill>
-                            <a:schemeClr val="tx1"/>
-                          </a:solidFill>
-                        </a:rPr>
-                        <a:t>editors</a:t>
+                        <a:t>author={Stuart Russell and Peter Norvig}</a:t>
                       </a:r>
                       <a:endParaRPr lang="de-DE" sz="1600" b="0" dirty="0">
                         <a:solidFill>
@@ -13764,26 +13883,7 @@
                     <a:bodyPr/>
                     <a:lstStyle/>
                     <a:p>
-                      <a:pPr marL="285750" indent="-285750">
-                        <a:buFont typeface="Arial" panose="020B0604020202020204" pitchFamily="34" charset="0"/>
-                        <a:buChar char="•"/>
-                      </a:pPr>
-                      <a:r>
-                        <a:rPr lang="de-DE" sz="1600" b="0" dirty="0" err="1">
-                          <a:solidFill>
-                            <a:schemeClr val="tx1"/>
-                          </a:solidFill>
-                        </a:rPr>
-                        <a:t>year</a:t>
-                      </a:r>
-                      <a:endParaRPr lang="de-DE" sz="1600" b="0" dirty="0">
-                        <a:solidFill>
-                          <a:schemeClr val="tx1"/>
-                        </a:solidFill>
-                      </a:endParaRPr>
-                    </a:p>
-                    <a:p>
-                      <a:pPr marL="285750" marR="0" lvl="0" indent="-285750" algn="l" defTabSz="914400" rtl="0" eaLnBrk="1" fontAlgn="auto" latinLnBrk="0" hangingPunct="1">
+                      <a:pPr marL="0" marR="0" lvl="0" indent="0" algn="l" defTabSz="914400" rtl="0" eaLnBrk="1" fontAlgn="auto" latinLnBrk="0" hangingPunct="1">
                         <a:lnSpc>
                           <a:spcPct val="100000"/>
                         </a:lnSpc>
@@ -13796,7 +13896,7 @@
                         <a:buClrTx/>
                         <a:buSzTx/>
                         <a:buFont typeface="Arial" panose="020B0604020202020204" pitchFamily="34" charset="0"/>
-                        <a:buChar char="•"/>
+                        <a:buNone/>
                         <a:tabLst/>
                         <a:defRPr/>
                       </a:pPr>
@@ -13806,56 +13906,34 @@
                             <a:schemeClr val="tx1"/>
                           </a:solidFill>
                         </a:rPr>
-                        <a:t>month</a:t>
+                        <a:t>year</a:t>
                       </a:r>
-                      <a:endParaRPr lang="de-DE" sz="1600" b="0" dirty="0">
-                        <a:solidFill>
-                          <a:schemeClr val="tx1"/>
-                        </a:solidFill>
-                      </a:endParaRPr>
-                    </a:p>
-                    <a:p>
-                      <a:pPr marL="285750" indent="-285750">
-                        <a:buFont typeface="Arial" panose="020B0604020202020204" pitchFamily="34" charset="0"/>
-                        <a:buChar char="•"/>
-                      </a:pPr>
                       <a:r>
-                        <a:rPr lang="de-DE" sz="1600" b="0" dirty="0" err="1">
+                        <a:rPr lang="de-DE" sz="1600" b="0" dirty="0">
                           <a:solidFill>
                             <a:schemeClr val="tx1"/>
                           </a:solidFill>
                         </a:rPr>
-                        <a:t>volume</a:t>
+                        <a:t>={2016},</a:t>
                       </a:r>
-                      <a:endParaRPr lang="de-DE" sz="1600" b="0" dirty="0">
-                        <a:solidFill>
-                          <a:schemeClr val="tx1"/>
-                        </a:solidFill>
-                      </a:endParaRPr>
                     </a:p>
                     <a:p>
-                      <a:pPr marL="285750" indent="-285750">
+                      <a:pPr marL="0" marR="0" lvl="0" indent="0" algn="l" defTabSz="914400" rtl="0" eaLnBrk="1" fontAlgn="auto" latinLnBrk="0" hangingPunct="1">
+                        <a:lnSpc>
+                          <a:spcPct val="100000"/>
+                        </a:lnSpc>
+                        <a:spcBef>
+                          <a:spcPts val="0"/>
+                        </a:spcBef>
+                        <a:spcAft>
+                          <a:spcPts val="0"/>
+                        </a:spcAft>
+                        <a:buClrTx/>
+                        <a:buSzTx/>
                         <a:buFont typeface="Arial" panose="020B0604020202020204" pitchFamily="34" charset="0"/>
-                        <a:buChar char="•"/>
-                      </a:pPr>
-                      <a:r>
-                        <a:rPr lang="de-DE" sz="1600" b="0" dirty="0" err="1">
-                          <a:solidFill>
-                            <a:schemeClr val="tx1"/>
-                          </a:solidFill>
-                        </a:rPr>
-                        <a:t>number</a:t>
-                      </a:r>
-                      <a:endParaRPr lang="de-DE" sz="1600" b="0" dirty="0">
-                        <a:solidFill>
-                          <a:schemeClr val="tx1"/>
-                        </a:solidFill>
-                      </a:endParaRPr>
-                    </a:p>
-                    <a:p>
-                      <a:pPr marL="285750" indent="-285750">
-                        <a:buFont typeface="Arial" panose="020B0604020202020204" pitchFamily="34" charset="0"/>
-                        <a:buChar char="•"/>
+                        <a:buNone/>
+                        <a:tabLst/>
+                        <a:defRPr/>
                       </a:pPr>
                       <a:r>
                         <a:rPr lang="de-DE" sz="1600" b="0" dirty="0" err="1">
@@ -13865,68 +13943,14 @@
                         </a:rPr>
                         <a:t>edition</a:t>
                       </a:r>
-                      <a:endParaRPr lang="de-DE" sz="1600" b="0" dirty="0">
-                        <a:solidFill>
-                          <a:schemeClr val="tx1"/>
-                        </a:solidFill>
-                      </a:endParaRPr>
-                    </a:p>
-                    <a:p>
-                      <a:pPr marL="285750" indent="-285750">
-                        <a:buFont typeface="Arial" panose="020B0604020202020204" pitchFamily="34" charset="0"/>
-                        <a:buChar char="•"/>
-                      </a:pPr>
                       <a:r>
-                        <a:rPr lang="de-DE" sz="1600" b="0" dirty="0" err="1">
+                        <a:rPr lang="de-DE" sz="1600" b="0" dirty="0">
                           <a:solidFill>
                             <a:schemeClr val="tx1"/>
                           </a:solidFill>
                         </a:rPr>
-                        <a:t>pages</a:t>
+                        <a:t>={3}</a:t>
                       </a:r>
-                      <a:endParaRPr lang="de-DE" sz="1600" b="0" dirty="0">
-                        <a:solidFill>
-                          <a:schemeClr val="tx1"/>
-                        </a:solidFill>
-                      </a:endParaRPr>
-                    </a:p>
-                    <a:p>
-                      <a:pPr marL="285750" indent="-285750">
-                        <a:buFont typeface="Arial" panose="020B0604020202020204" pitchFamily="34" charset="0"/>
-                        <a:buChar char="•"/>
-                      </a:pPr>
-                      <a:r>
-                        <a:rPr lang="de-DE" sz="1600" b="0" dirty="0" err="1">
-                          <a:solidFill>
-                            <a:schemeClr val="tx1"/>
-                          </a:solidFill>
-                        </a:rPr>
-                        <a:t>url</a:t>
-                      </a:r>
-                      <a:endParaRPr lang="de-DE" sz="1600" b="0" dirty="0">
-                        <a:solidFill>
-                          <a:schemeClr val="tx1"/>
-                        </a:solidFill>
-                      </a:endParaRPr>
-                    </a:p>
-                    <a:p>
-                      <a:pPr marL="285750" indent="-285750">
-                        <a:buFont typeface="Arial" panose="020B0604020202020204" pitchFamily="34" charset="0"/>
-                        <a:buChar char="•"/>
-                      </a:pPr>
-                      <a:r>
-                        <a:rPr lang="de-DE" sz="1600" b="0" dirty="0" err="1">
-                          <a:solidFill>
-                            <a:schemeClr val="tx1"/>
-                          </a:solidFill>
-                        </a:rPr>
-                        <a:t>doi</a:t>
-                      </a:r>
-                      <a:endParaRPr lang="de-DE" sz="1600" b="0" dirty="0">
-                        <a:solidFill>
-                          <a:schemeClr val="tx1"/>
-                        </a:solidFill>
-                      </a:endParaRPr>
                     </a:p>
                   </a:txBody>
                   <a:tcPr>
@@ -13958,31 +13982,17 @@
                     <a:bodyPr/>
                     <a:lstStyle/>
                     <a:p>
-                      <a:pPr marL="285750" indent="-285750">
+                      <a:pPr marL="0" indent="0">
                         <a:buFont typeface="Arial" panose="020B0604020202020204" pitchFamily="34" charset="0"/>
-                        <a:buChar char="•"/>
+                        <a:buNone/>
                       </a:pPr>
                       <a:r>
-                        <a:rPr lang="de-DE" sz="1600" b="0" dirty="0">
+                        <a:rPr lang="en-US" sz="1600" b="0" dirty="0">
                           <a:solidFill>
                             <a:schemeClr val="tx1"/>
                           </a:solidFill>
                         </a:rPr>
-                        <a:t>title</a:t>
-                      </a:r>
-                    </a:p>
-                    <a:p>
-                      <a:pPr marL="285750" indent="-285750">
-                        <a:buFont typeface="Arial" panose="020B0604020202020204" pitchFamily="34" charset="0"/>
-                        <a:buChar char="•"/>
-                      </a:pPr>
-                      <a:r>
-                        <a:rPr lang="de-DE" sz="1600" b="0" dirty="0" err="1">
-                          <a:solidFill>
-                            <a:schemeClr val="tx1"/>
-                          </a:solidFill>
-                        </a:rPr>
-                        <a:t>booktitle</a:t>
+                        <a:t>title={Artificial Intelligence: A Modern Approach},</a:t>
                       </a:r>
                       <a:endParaRPr lang="de-DE" sz="1600" b="0" dirty="0">
                         <a:solidFill>
@@ -13991,60 +14001,9 @@
                       </a:endParaRPr>
                     </a:p>
                     <a:p>
-                      <a:pPr marL="285750" indent="-285750">
+                      <a:pPr marL="0" indent="0">
                         <a:buFont typeface="Arial" panose="020B0604020202020204" pitchFamily="34" charset="0"/>
-                        <a:buChar char="•"/>
-                      </a:pPr>
-                      <a:r>
-                        <a:rPr lang="de-DE" sz="1600" b="0" dirty="0" err="1">
-                          <a:solidFill>
-                            <a:schemeClr val="tx1"/>
-                          </a:solidFill>
-                        </a:rPr>
-                        <a:t>series</a:t>
-                      </a:r>
-                      <a:endParaRPr lang="de-DE" sz="1600" b="0" dirty="0">
-                        <a:solidFill>
-                          <a:schemeClr val="tx1"/>
-                        </a:solidFill>
-                      </a:endParaRPr>
-                    </a:p>
-                    <a:p>
-                      <a:pPr marL="285750" marR="0" lvl="0" indent="-285750" algn="l" defTabSz="914400" rtl="0" eaLnBrk="1" fontAlgn="auto" latinLnBrk="0" hangingPunct="1">
-                        <a:lnSpc>
-                          <a:spcPct val="100000"/>
-                        </a:lnSpc>
-                        <a:spcBef>
-                          <a:spcPts val="0"/>
-                        </a:spcBef>
-                        <a:spcAft>
-                          <a:spcPts val="0"/>
-                        </a:spcAft>
-                        <a:buClrTx/>
-                        <a:buSzTx/>
-                        <a:buFont typeface="Arial" panose="020B0604020202020204" pitchFamily="34" charset="0"/>
-                        <a:buChar char="•"/>
-                        <a:tabLst/>
-                        <a:defRPr/>
-                      </a:pPr>
-                      <a:r>
-                        <a:rPr lang="de-DE" sz="1600" b="0" dirty="0" err="1">
-                          <a:solidFill>
-                            <a:schemeClr val="tx1"/>
-                          </a:solidFill>
-                        </a:rPr>
-                        <a:t>journal</a:t>
-                      </a:r>
-                      <a:endParaRPr lang="de-DE" sz="1600" b="0" dirty="0">
-                        <a:solidFill>
-                          <a:schemeClr val="tx1"/>
-                        </a:solidFill>
-                      </a:endParaRPr>
-                    </a:p>
-                    <a:p>
-                      <a:pPr marL="285750" indent="-285750">
-                        <a:buFont typeface="Arial" panose="020B0604020202020204" pitchFamily="34" charset="0"/>
-                        <a:buChar char="•"/>
+                        <a:buNone/>
                       </a:pPr>
                       <a:r>
                         <a:rPr lang="de-DE" sz="1600" b="0" dirty="0" err="1">
@@ -14054,35 +14013,19 @@
                         </a:rPr>
                         <a:t>publisher</a:t>
                       </a:r>
-                      <a:endParaRPr lang="de-DE" sz="1600" b="0" dirty="0">
-                        <a:solidFill>
-                          <a:schemeClr val="tx1"/>
-                        </a:solidFill>
-                      </a:endParaRPr>
-                    </a:p>
-                    <a:p>
-                      <a:pPr marL="285750" indent="-285750">
-                        <a:buFont typeface="Arial" panose="020B0604020202020204" pitchFamily="34" charset="0"/>
-                        <a:buChar char="•"/>
-                      </a:pPr>
                       <a:r>
-                        <a:rPr lang="de-DE" sz="1600" b="0" dirty="0" err="1">
+                        <a:rPr lang="de-DE" sz="1600" b="0" dirty="0">
                           <a:solidFill>
                             <a:schemeClr val="tx1"/>
                           </a:solidFill>
                         </a:rPr>
-                        <a:t>school</a:t>
+                        <a:t>={Pearson},</a:t>
                       </a:r>
-                      <a:endParaRPr lang="de-DE" sz="1600" b="0" dirty="0">
-                        <a:solidFill>
-                          <a:schemeClr val="tx1"/>
-                        </a:solidFill>
-                      </a:endParaRPr>
                     </a:p>
                     <a:p>
-                      <a:pPr marL="285750" indent="-285750">
+                      <a:pPr marL="0" indent="0">
                         <a:buFont typeface="Arial" panose="020B0604020202020204" pitchFamily="34" charset="0"/>
-                        <a:buChar char="•"/>
+                        <a:buNone/>
                       </a:pPr>
                       <a:r>
                         <a:rPr lang="de-DE" sz="1600" b="0" dirty="0" err="1">
@@ -14092,11 +14035,14 @@
                         </a:rPr>
                         <a:t>address</a:t>
                       </a:r>
-                      <a:endParaRPr lang="de-DE" sz="1600" b="0" dirty="0">
-                        <a:solidFill>
-                          <a:schemeClr val="tx1"/>
-                        </a:solidFill>
-                      </a:endParaRPr>
+                      <a:r>
+                        <a:rPr lang="de-DE" sz="1600" b="0" dirty="0">
+                          <a:solidFill>
+                            <a:schemeClr val="tx1"/>
+                          </a:solidFill>
+                        </a:rPr>
+                        <a:t>={Upper Saddle River, NJ, USA}</a:t>
+                      </a:r>
                     </a:p>
                   </a:txBody>
                   <a:tcPr>
@@ -14134,18 +14080,15 @@
                     <a:bodyPr/>
                     <a:lstStyle/>
                     <a:p>
-                      <a:pPr marL="285750" indent="-285750">
+                      <a:pPr marL="0" indent="0">
                         <a:buFont typeface="Arial" panose="020B0604020202020204" pitchFamily="34" charset="0"/>
-                        <a:buChar char="•"/>
+                        <a:buNone/>
                       </a:pPr>
-                      <a:r>
-                        <a:rPr lang="de-DE" sz="1600" b="0" dirty="0">
-                          <a:solidFill>
-                            <a:schemeClr val="tx1"/>
-                          </a:solidFill>
-                        </a:rPr>
-                        <a:t>Standardisierung</a:t>
-                      </a:r>
+                      <a:endParaRPr lang="de-DE" sz="1600" b="0" dirty="0">
+                        <a:solidFill>
+                          <a:schemeClr val="tx1"/>
+                        </a:solidFill>
+                      </a:endParaRPr>
                     </a:p>
                   </a:txBody>
                   <a:tcPr>
@@ -14200,6 +14143,157 @@
           </a:graphicData>
         </a:graphic>
       </p:graphicFrame>
+      <p:sp>
+        <p:nvSpPr>
+          <p:cNvPr id="5" name="Textfeld 4">
+            <a:extLst>
+              <a:ext uri="{FF2B5EF4-FFF2-40B4-BE49-F238E27FC236}">
+                <a16:creationId xmlns:a16="http://schemas.microsoft.com/office/drawing/2014/main" id="{89671999-8BF1-CD9D-B2F0-3CF06719A666}"/>
+              </a:ext>
+            </a:extLst>
+          </p:cNvPr>
+          <p:cNvSpPr txBox="1"/>
+          <p:nvPr/>
+        </p:nvSpPr>
+        <p:spPr>
+          <a:xfrm>
+            <a:off x="878317" y="1621323"/>
+            <a:ext cx="10442575" cy="1147045"/>
+          </a:xfrm>
+          <a:prstGeom prst="rect">
+            <a:avLst/>
+          </a:prstGeom>
+          <a:noFill/>
+          <a:ln>
+            <a:noFill/>
+          </a:ln>
+        </p:spPr>
+        <p:txBody>
+          <a:bodyPr wrap="square" rtlCol="0">
+            <a:spAutoFit/>
+          </a:bodyPr>
+          <a:lstStyle/>
+          <a:p>
+            <a:pPr>
+              <a:lnSpc>
+                <a:spcPct val="150000"/>
+              </a:lnSpc>
+            </a:pPr>
+            <a:r>
+              <a:rPr lang="de-DE" sz="2400" b="1" dirty="0">
+                <a:highlight>
+                  <a:srgbClr val="82BBEA"/>
+                </a:highlight>
+              </a:rPr>
+              <a:t>Stuart Russell and Peter </a:t>
+            </a:r>
+            <a:r>
+              <a:rPr lang="de-DE" sz="2400" b="1" dirty="0" err="1">
+                <a:highlight>
+                  <a:srgbClr val="82BBEA"/>
+                </a:highlight>
+              </a:rPr>
+              <a:t>Norvig</a:t>
+            </a:r>
+            <a:r>
+              <a:rPr lang="de-DE" sz="2400" b="1" dirty="0"/>
+              <a:t>. </a:t>
+            </a:r>
+            <a:r>
+              <a:rPr lang="de-DE" sz="2400" b="1" dirty="0">
+                <a:highlight>
+                  <a:srgbClr val="FFD149"/>
+                </a:highlight>
+              </a:rPr>
+              <a:t>2016</a:t>
+            </a:r>
+            <a:r>
+              <a:rPr lang="de-DE" sz="2400" b="1" dirty="0"/>
+              <a:t>. </a:t>
+            </a:r>
+            <a:r>
+              <a:rPr lang="de-DE" sz="2400" b="1" dirty="0">
+                <a:highlight>
+                  <a:srgbClr val="FF5050"/>
+                </a:highlight>
+              </a:rPr>
+              <a:t>Artificial Intelligence: A Modern Approach </a:t>
+            </a:r>
+            <a:r>
+              <a:rPr lang="de-DE" sz="2400" b="1" dirty="0"/>
+              <a:t>(</a:t>
+            </a:r>
+            <a:r>
+              <a:rPr lang="de-DE" sz="2400" b="1" dirty="0">
+                <a:highlight>
+                  <a:srgbClr val="FFD149"/>
+                </a:highlight>
+              </a:rPr>
+              <a:t>3</a:t>
+            </a:r>
+            <a:r>
+              <a:rPr lang="de-DE" sz="2400" b="1" dirty="0"/>
+              <a:t>rd </a:t>
+            </a:r>
+            <a:r>
+              <a:rPr lang="de-DE" sz="2400" b="1" dirty="0" err="1"/>
+              <a:t>ed</a:t>
+            </a:r>
+            <a:r>
+              <a:rPr lang="de-DE" sz="2400" b="1" dirty="0"/>
+              <a:t>.). </a:t>
+            </a:r>
+            <a:r>
+              <a:rPr lang="de-DE" sz="2400" b="1" dirty="0">
+                <a:highlight>
+                  <a:srgbClr val="FF5050"/>
+                </a:highlight>
+              </a:rPr>
+              <a:t>Pearson</a:t>
+            </a:r>
+            <a:r>
+              <a:rPr lang="de-DE" sz="2400" b="1" dirty="0"/>
+              <a:t>, </a:t>
+            </a:r>
+            <a:r>
+              <a:rPr lang="de-DE" sz="2400" b="1" dirty="0">
+                <a:highlight>
+                  <a:srgbClr val="FF5050"/>
+                </a:highlight>
+              </a:rPr>
+              <a:t>Upper Saddle River</a:t>
+            </a:r>
+            <a:r>
+              <a:rPr lang="de-DE" sz="2400" b="1" dirty="0"/>
+              <a:t>, </a:t>
+            </a:r>
+            <a:r>
+              <a:rPr lang="de-DE" sz="2400" b="1" dirty="0">
+                <a:highlight>
+                  <a:srgbClr val="FF5050"/>
+                </a:highlight>
+              </a:rPr>
+              <a:t>NJ</a:t>
+            </a:r>
+            <a:r>
+              <a:rPr lang="de-DE" sz="2400" b="1" dirty="0"/>
+              <a:t>, </a:t>
+            </a:r>
+            <a:r>
+              <a:rPr lang="de-DE" sz="2400" b="1" dirty="0">
+                <a:highlight>
+                  <a:srgbClr val="FF5050"/>
+                </a:highlight>
+              </a:rPr>
+              <a:t>USA</a:t>
+            </a:r>
+            <a:r>
+              <a:rPr lang="de-DE" sz="2400" b="1" dirty="0"/>
+              <a:t>.</a:t>
+            </a:r>
+          </a:p>
+        </p:txBody>
+      </p:sp>
     </p:spTree>
     <p:extLst>
       <p:ext uri="{BB962C8B-B14F-4D97-AF65-F5344CB8AC3E}">
@@ -14214,6 +14308,228 @@
 </file>
 
 <file path=ppt/slides/slide5.xml><?xml version="1.0" encoding="utf-8"?>
+<p:sld xmlns:a="http://schemas.openxmlformats.org/drawingml/2006/main" xmlns:r="http://schemas.openxmlformats.org/officeDocument/2006/relationships" xmlns:p="http://schemas.openxmlformats.org/presentationml/2006/main">
+  <p:cSld>
+    <p:spTree>
+      <p:nvGrpSpPr>
+        <p:cNvPr id="1" name=""/>
+        <p:cNvGrpSpPr/>
+        <p:nvPr/>
+      </p:nvGrpSpPr>
+      <p:grpSpPr>
+        <a:xfrm>
+          <a:off x="0" y="0"/>
+          <a:ext cx="0" cy="0"/>
+          <a:chOff x="0" y="0"/>
+          <a:chExt cx="0" cy="0"/>
+        </a:xfrm>
+      </p:grpSpPr>
+      <p:sp>
+        <p:nvSpPr>
+          <p:cNvPr id="2" name="Titel 1">
+            <a:extLst>
+              <a:ext uri="{FF2B5EF4-FFF2-40B4-BE49-F238E27FC236}">
+                <a16:creationId xmlns:a16="http://schemas.microsoft.com/office/drawing/2014/main" id="{6B0D5E08-BADD-3F93-DB54-51EA92A4DF52}"/>
+              </a:ext>
+            </a:extLst>
+          </p:cNvPr>
+          <p:cNvSpPr>
+            <a:spLocks noGrp="1"/>
+          </p:cNvSpPr>
+          <p:nvPr>
+            <p:ph type="title"/>
+          </p:nvPr>
+        </p:nvSpPr>
+        <p:spPr>
+          <a:xfrm>
+            <a:off x="871108" y="588245"/>
+            <a:ext cx="10449784" cy="1265928"/>
+          </a:xfrm>
+        </p:spPr>
+        <p:txBody>
+          <a:bodyPr anchor="b">
+            <a:normAutofit/>
+          </a:bodyPr>
+          <a:lstStyle/>
+          <a:p>
+            <a:r>
+              <a:rPr lang="de-DE" dirty="0"/>
+              <a:t>Standardisierung</a:t>
+            </a:r>
+          </a:p>
+        </p:txBody>
+      </p:sp>
+      <p:pic>
+        <p:nvPicPr>
+          <p:cNvPr id="8" name="Grafik 7">
+            <a:extLst>
+              <a:ext uri="{FF2B5EF4-FFF2-40B4-BE49-F238E27FC236}">
+                <a16:creationId xmlns:a16="http://schemas.microsoft.com/office/drawing/2014/main" id="{1C48F5E1-3AD0-20F7-C6C8-B367974D1781}"/>
+              </a:ext>
+            </a:extLst>
+          </p:cNvPr>
+          <p:cNvPicPr>
+            <a:picLocks noChangeAspect="1"/>
+          </p:cNvPicPr>
+          <p:nvPr/>
+        </p:nvPicPr>
+        <p:blipFill>
+          <a:blip r:embed="rId2"/>
+          <a:stretch>
+            <a:fillRect/>
+          </a:stretch>
+        </p:blipFill>
+        <p:spPr>
+          <a:xfrm>
+            <a:off x="3670616" y="2157984"/>
+            <a:ext cx="4856864" cy="3903819"/>
+          </a:xfrm>
+          <a:prstGeom prst="rect">
+            <a:avLst/>
+          </a:prstGeom>
+          <a:noFill/>
+        </p:spPr>
+      </p:pic>
+      <p:sp>
+        <p:nvSpPr>
+          <p:cNvPr id="4" name="Datumsplatzhalter 3">
+            <a:extLst>
+              <a:ext uri="{FF2B5EF4-FFF2-40B4-BE49-F238E27FC236}">
+                <a16:creationId xmlns:a16="http://schemas.microsoft.com/office/drawing/2014/main" id="{C033C91A-546E-7940-CF21-90388A463F11}"/>
+              </a:ext>
+            </a:extLst>
+          </p:cNvPr>
+          <p:cNvSpPr>
+            <a:spLocks noGrp="1"/>
+          </p:cNvSpPr>
+          <p:nvPr>
+            <p:ph type="dt" sz="half" idx="10"/>
+          </p:nvPr>
+        </p:nvSpPr>
+        <p:spPr>
+          <a:xfrm>
+            <a:off x="877824" y="6356350"/>
+            <a:ext cx="2743200" cy="365125"/>
+          </a:xfrm>
+        </p:spPr>
+        <p:txBody>
+          <a:bodyPr anchor="ctr">
+            <a:normAutofit/>
+          </a:bodyPr>
+          <a:lstStyle/>
+          <a:p>
+            <a:pPr>
+              <a:spcAft>
+                <a:spcPts val="600"/>
+              </a:spcAft>
+            </a:pPr>
+            <a:r>
+              <a:rPr lang="en-US"/>
+              <a:t>18.7.2024</a:t>
+            </a:r>
+          </a:p>
+        </p:txBody>
+      </p:sp>
+      <p:sp>
+        <p:nvSpPr>
+          <p:cNvPr id="5" name="Fußzeilenplatzhalter 4">
+            <a:extLst>
+              <a:ext uri="{FF2B5EF4-FFF2-40B4-BE49-F238E27FC236}">
+                <a16:creationId xmlns:a16="http://schemas.microsoft.com/office/drawing/2014/main" id="{64F7BAE7-F903-5CAB-BBDF-95FC4235A2C2}"/>
+              </a:ext>
+            </a:extLst>
+          </p:cNvPr>
+          <p:cNvSpPr>
+            <a:spLocks noGrp="1"/>
+          </p:cNvSpPr>
+          <p:nvPr>
+            <p:ph type="ftr" sz="quarter" idx="11"/>
+          </p:nvPr>
+        </p:nvSpPr>
+        <p:spPr>
+          <a:xfrm>
+            <a:off x="7132320" y="6356350"/>
+            <a:ext cx="4297680" cy="365125"/>
+          </a:xfrm>
+        </p:spPr>
+        <p:txBody>
+          <a:bodyPr anchor="ctr">
+            <a:normAutofit/>
+          </a:bodyPr>
+          <a:lstStyle/>
+          <a:p>
+            <a:pPr>
+              <a:spcAft>
+                <a:spcPts val="600"/>
+              </a:spcAft>
+            </a:pPr>
+            <a:r>
+              <a:rPr lang="en-US"/>
+              <a:t>Sample Footer Text</a:t>
+            </a:r>
+          </a:p>
+        </p:txBody>
+      </p:sp>
+      <p:sp>
+        <p:nvSpPr>
+          <p:cNvPr id="6" name="Foliennummernplatzhalter 5">
+            <a:extLst>
+              <a:ext uri="{FF2B5EF4-FFF2-40B4-BE49-F238E27FC236}">
+                <a16:creationId xmlns:a16="http://schemas.microsoft.com/office/drawing/2014/main" id="{0B3D6867-38BA-C430-49CD-BE1AE53F2E90}"/>
+              </a:ext>
+            </a:extLst>
+          </p:cNvPr>
+          <p:cNvSpPr>
+            <a:spLocks noGrp="1"/>
+          </p:cNvSpPr>
+          <p:nvPr>
+            <p:ph type="sldNum" sz="quarter" idx="12"/>
+          </p:nvPr>
+        </p:nvSpPr>
+        <p:spPr>
+          <a:xfrm>
+            <a:off x="11429999" y="6356350"/>
+            <a:ext cx="521207" cy="365125"/>
+          </a:xfrm>
+        </p:spPr>
+        <p:txBody>
+          <a:bodyPr anchor="ctr">
+            <a:normAutofit/>
+          </a:bodyPr>
+          <a:lstStyle/>
+          <a:p>
+            <a:pPr>
+              <a:spcAft>
+                <a:spcPts val="600"/>
+              </a:spcAft>
+            </a:pPr>
+            <a:fld id="{C68AC1EC-23E2-4F0E-A5A4-674EC8DB954E}" type="slidenum">
+              <a:rPr lang="en-US" smtClean="0"/>
+              <a:pPr>
+                <a:spcAft>
+                  <a:spcPts val="600"/>
+                </a:spcAft>
+              </a:pPr>
+              <a:t>5</a:t>
+            </a:fld>
+            <a:endParaRPr lang="en-US"/>
+          </a:p>
+        </p:txBody>
+      </p:sp>
+    </p:spTree>
+    <p:extLst>
+      <p:ext uri="{BB962C8B-B14F-4D97-AF65-F5344CB8AC3E}">
+        <p14:creationId xmlns:p14="http://schemas.microsoft.com/office/powerpoint/2010/main" val="3667727606"/>
+      </p:ext>
+    </p:extLst>
+  </p:cSld>
+  <p:clrMapOvr>
+    <a:masterClrMapping/>
+  </p:clrMapOvr>
+</p:sld>
+</file>
+
+<file path=ppt/slides/slide6.xml><?xml version="1.0" encoding="utf-8"?>
 <p:sld xmlns:a="http://schemas.openxmlformats.org/drawingml/2006/main" xmlns:r="http://schemas.openxmlformats.org/officeDocument/2006/relationships" xmlns:p="http://schemas.openxmlformats.org/presentationml/2006/main">
   <p:cSld>
     <p:spTree>
@@ -14388,7 +14704,7 @@
                   <a:spcPts val="600"/>
                 </a:spcAft>
               </a:pPr>
-              <a:t>5</a:t>
+              <a:t>6</a:t>
             </a:fld>
             <a:endParaRPr lang="en-US"/>
           </a:p>
@@ -14896,7 +15212,7 @@
 </p:sld>
 </file>
 
-<file path=ppt/slides/slide6.xml><?xml version="1.0" encoding="utf-8"?>
+<file path=ppt/slides/slide7.xml><?xml version="1.0" encoding="utf-8"?>
 <p:sld xmlns:a="http://schemas.openxmlformats.org/drawingml/2006/main" xmlns:r="http://schemas.openxmlformats.org/officeDocument/2006/relationships" xmlns:p="http://schemas.openxmlformats.org/presentationml/2006/main">
   <p:cSld>
     <p:spTree>
@@ -15021,7 +15337,7 @@
           <a:p>
             <a:fld id="{C68AC1EC-23E2-4F0E-A5A4-674EC8DB954E}" type="slidenum">
               <a:rPr lang="en-US" smtClean="0"/>
-              <a:t>6</a:t>
+              <a:t>7</a:t>
             </a:fld>
             <a:endParaRPr lang="en-US"/>
           </a:p>
@@ -15040,7 +15356,7 @@
 </p:sld>
 </file>
 
-<file path=ppt/slides/slide7.xml><?xml version="1.0" encoding="utf-8"?>
+<file path=ppt/slides/slide8.xml><?xml version="1.0" encoding="utf-8"?>
 <p:sld xmlns:a="http://schemas.openxmlformats.org/drawingml/2006/main" xmlns:r="http://schemas.openxmlformats.org/officeDocument/2006/relationships" xmlns:p="http://schemas.openxmlformats.org/presentationml/2006/main">
   <p:cSld>
     <p:spTree>
@@ -15226,7 +15542,7 @@
           <a:p>
             <a:fld id="{C68AC1EC-23E2-4F0E-A5A4-674EC8DB954E}" type="slidenum">
               <a:rPr lang="en-US" smtClean="0"/>
-              <a:t>7</a:t>
+              <a:t>8</a:t>
             </a:fld>
             <a:endParaRPr lang="en-US"/>
           </a:p>
@@ -15541,7 +15857,7 @@
 </p:sld>
 </file>
 
-<file path=ppt/slides/slide8.xml><?xml version="1.0" encoding="utf-8"?>
+<file path=ppt/slides/slide9.xml><?xml version="1.0" encoding="utf-8"?>
 <p:sld xmlns:a="http://schemas.openxmlformats.org/drawingml/2006/main" xmlns:r="http://schemas.openxmlformats.org/officeDocument/2006/relationships" xmlns:p="http://schemas.openxmlformats.org/presentationml/2006/main">
   <p:cSld>
     <p:spTree>
@@ -15789,7 +16105,7 @@
           <a:p>
             <a:fld id="{C68AC1EC-23E2-4F0E-A5A4-674EC8DB954E}" type="slidenum">
               <a:rPr lang="en-US" smtClean="0"/>
-              <a:t>8</a:t>
+              <a:t>9</a:t>
             </a:fld>
             <a:endParaRPr lang="en-US"/>
           </a:p>
@@ -16258,159 +16574,6 @@
       </p:par>
     </p:tnLst>
   </p:timing>
-</p:sld>
-</file>
-
-<file path=ppt/slides/slide9.xml><?xml version="1.0" encoding="utf-8"?>
-<p:sld xmlns:a="http://schemas.openxmlformats.org/drawingml/2006/main" xmlns:r="http://schemas.openxmlformats.org/officeDocument/2006/relationships" xmlns:p="http://schemas.openxmlformats.org/presentationml/2006/main">
-  <p:cSld>
-    <p:spTree>
-      <p:nvGrpSpPr>
-        <p:cNvPr id="1" name=""/>
-        <p:cNvGrpSpPr/>
-        <p:nvPr/>
-      </p:nvGrpSpPr>
-      <p:grpSpPr>
-        <a:xfrm>
-          <a:off x="0" y="0"/>
-          <a:ext cx="0" cy="0"/>
-          <a:chOff x="0" y="0"/>
-          <a:chExt cx="0" cy="0"/>
-        </a:xfrm>
-      </p:grpSpPr>
-      <p:sp>
-        <p:nvSpPr>
-          <p:cNvPr id="3" name="Inhaltsplatzhalter 2">
-            <a:extLst>
-              <a:ext uri="{FF2B5EF4-FFF2-40B4-BE49-F238E27FC236}">
-                <a16:creationId xmlns:a16="http://schemas.microsoft.com/office/drawing/2014/main" id="{9150E465-A7C6-ADC3-2638-FE3FBB26F758}"/>
-              </a:ext>
-            </a:extLst>
-          </p:cNvPr>
-          <p:cNvSpPr>
-            <a:spLocks noGrp="1"/>
-          </p:cNvSpPr>
-          <p:nvPr>
-            <p:ph idx="1"/>
-          </p:nvPr>
-        </p:nvSpPr>
-        <p:spPr>
-          <a:xfrm>
-            <a:off x="877824" y="1066800"/>
-            <a:ext cx="10442448" cy="4995003"/>
-          </a:xfrm>
-        </p:spPr>
-        <p:txBody>
-          <a:bodyPr/>
-          <a:lstStyle/>
-          <a:p>
-            <a:pPr marL="0" indent="0">
-              <a:buNone/>
-            </a:pPr>
-            <a:r>
-              <a:rPr lang="de-DE" dirty="0"/>
-              <a:t>			</a:t>
-            </a:r>
-          </a:p>
-          <a:p>
-            <a:pPr marL="0" indent="0">
-              <a:buNone/>
-            </a:pPr>
-            <a:endParaRPr lang="de-DE" dirty="0"/>
-          </a:p>
-          <a:p>
-            <a:pPr marL="0" indent="0">
-              <a:buNone/>
-            </a:pPr>
-            <a:endParaRPr lang="de-DE" dirty="0"/>
-          </a:p>
-          <a:p>
-            <a:pPr marL="0" indent="0">
-              <a:buNone/>
-            </a:pPr>
-            <a:r>
-              <a:rPr lang="de-DE" sz="3600" dirty="0"/>
-              <a:t>			</a:t>
-            </a:r>
-          </a:p>
-          <a:p>
-            <a:pPr marL="0" indent="0">
-              <a:buNone/>
-            </a:pPr>
-            <a:r>
-              <a:rPr lang="de-DE" sz="3600" dirty="0"/>
-              <a:t>			       Feedback/Fragen?</a:t>
-            </a:r>
-          </a:p>
-        </p:txBody>
-      </p:sp>
-      <p:sp>
-        <p:nvSpPr>
-          <p:cNvPr id="4" name="Datumsplatzhalter 3">
-            <a:extLst>
-              <a:ext uri="{FF2B5EF4-FFF2-40B4-BE49-F238E27FC236}">
-                <a16:creationId xmlns:a16="http://schemas.microsoft.com/office/drawing/2014/main" id="{73C6B035-7C10-2EA5-3BFC-4D52514750FC}"/>
-              </a:ext>
-            </a:extLst>
-          </p:cNvPr>
-          <p:cNvSpPr>
-            <a:spLocks noGrp="1"/>
-          </p:cNvSpPr>
-          <p:nvPr>
-            <p:ph type="dt" sz="half" idx="10"/>
-          </p:nvPr>
-        </p:nvSpPr>
-        <p:spPr/>
-        <p:txBody>
-          <a:bodyPr/>
-          <a:lstStyle/>
-          <a:p>
-            <a:r>
-              <a:rPr lang="en-US" dirty="0"/>
-              <a:t>18.7.2024</a:t>
-            </a:r>
-          </a:p>
-        </p:txBody>
-      </p:sp>
-      <p:sp>
-        <p:nvSpPr>
-          <p:cNvPr id="6" name="Foliennummernplatzhalter 5">
-            <a:extLst>
-              <a:ext uri="{FF2B5EF4-FFF2-40B4-BE49-F238E27FC236}">
-                <a16:creationId xmlns:a16="http://schemas.microsoft.com/office/drawing/2014/main" id="{7F4CEA4B-6BE1-E65E-836F-0C070AD52595}"/>
-              </a:ext>
-            </a:extLst>
-          </p:cNvPr>
-          <p:cNvSpPr>
-            <a:spLocks noGrp="1"/>
-          </p:cNvSpPr>
-          <p:nvPr>
-            <p:ph type="sldNum" sz="quarter" idx="12"/>
-          </p:nvPr>
-        </p:nvSpPr>
-        <p:spPr/>
-        <p:txBody>
-          <a:bodyPr/>
-          <a:lstStyle/>
-          <a:p>
-            <a:fld id="{C68AC1EC-23E2-4F0E-A5A4-674EC8DB954E}" type="slidenum">
-              <a:rPr lang="en-US" smtClean="0"/>
-              <a:t>9</a:t>
-            </a:fld>
-            <a:endParaRPr lang="en-US"/>
-          </a:p>
-        </p:txBody>
-      </p:sp>
-    </p:spTree>
-    <p:extLst>
-      <p:ext uri="{BB962C8B-B14F-4D97-AF65-F5344CB8AC3E}">
-        <p14:creationId xmlns:p14="http://schemas.microsoft.com/office/powerpoint/2010/main" val="2591551910"/>
-      </p:ext>
-    </p:extLst>
-  </p:cSld>
-  <p:clrMapOvr>
-    <a:masterClrMapping/>
-  </p:clrMapOvr>
 </p:sld>
 </file>
 

--- a/Dokumente/Abschlussdemo_Bibtex_Konverter.pptx
+++ b/Dokumente/Abschlussdemo_Bibtex_Konverter.pptx
@@ -341,12 +341,12 @@
   <pc:docChgLst>
     <pc:chgData name="Lars Lafleur" userId="a0e371033217b6e9" providerId="LiveId" clId="{FE1DD21D-047C-4DA7-8548-ABB0D482636F}"/>
     <pc:docChg chg="undo redo custSel addSld modSld">
-      <pc:chgData name="Lars Lafleur" userId="a0e371033217b6e9" providerId="LiveId" clId="{FE1DD21D-047C-4DA7-8548-ABB0D482636F}" dt="2024-07-17T18:15:15.497" v="227" actId="1076"/>
+      <pc:chgData name="Lars Lafleur" userId="a0e371033217b6e9" providerId="LiveId" clId="{FE1DD21D-047C-4DA7-8548-ABB0D482636F}" dt="2024-07-17T18:18:23.620" v="231" actId="20577"/>
       <pc:docMkLst>
         <pc:docMk/>
       </pc:docMkLst>
       <pc:sldChg chg="addSp delSp modSp mod">
-        <pc:chgData name="Lars Lafleur" userId="a0e371033217b6e9" providerId="LiveId" clId="{FE1DD21D-047C-4DA7-8548-ABB0D482636F}" dt="2024-07-17T18:15:15.497" v="227" actId="1076"/>
+        <pc:chgData name="Lars Lafleur" userId="a0e371033217b6e9" providerId="LiveId" clId="{FE1DD21D-047C-4DA7-8548-ABB0D482636F}" dt="2024-07-17T18:18:23.620" v="231" actId="20577"/>
         <pc:sldMkLst>
           <pc:docMk/>
           <pc:sldMk cId="4226524386" sldId="259"/>
@@ -392,7 +392,7 @@
           </ac:graphicFrameMkLst>
         </pc:graphicFrameChg>
         <pc:graphicFrameChg chg="mod modGraphic">
-          <ac:chgData name="Lars Lafleur" userId="a0e371033217b6e9" providerId="LiveId" clId="{FE1DD21D-047C-4DA7-8548-ABB0D482636F}" dt="2024-07-17T18:14:53.298" v="224" actId="1076"/>
+          <ac:chgData name="Lars Lafleur" userId="a0e371033217b6e9" providerId="LiveId" clId="{FE1DD21D-047C-4DA7-8548-ABB0D482636F}" dt="2024-07-17T18:18:23.620" v="231" actId="20577"/>
           <ac:graphicFrameMkLst>
             <pc:docMk/>
             <pc:sldMk cId="4226524386" sldId="259"/>
@@ -13729,7 +13729,7 @@
           <p:nvPr>
             <p:extLst>
               <p:ext uri="{D42A27DB-BD31-4B8C-83A1-F6EECF244321}">
-                <p14:modId xmlns:p14="http://schemas.microsoft.com/office/powerpoint/2010/main" val="768865441"/>
+                <p14:modId xmlns:p14="http://schemas.microsoft.com/office/powerpoint/2010/main" val="3421598128"/>
               </p:ext>
             </p:extLst>
           </p:nvPr>
@@ -13792,12 +13792,12 @@
                         <a:buNone/>
                       </a:pPr>
                       <a:r>
-                        <a:rPr lang="de-DE" sz="1600" b="0" dirty="0" err="1">
+                        <a:rPr lang="de-DE" sz="1600" b="0">
                           <a:solidFill>
                             <a:schemeClr val="tx1"/>
                           </a:solidFill>
                         </a:rPr>
-                        <a:t>inproceedings</a:t>
+                        <a:t>book</a:t>
                       </a:r>
                       <a:endParaRPr lang="de-DE" sz="1600" b="0" dirty="0">
                         <a:solidFill>

--- a/Dokumente/Abschlussdemo_Bibtex_Konverter.pptx
+++ b/Dokumente/Abschlussdemo_Bibtex_Konverter.pptx
@@ -341,12 +341,12 @@
   <pc:docChgLst>
     <pc:chgData name="Lars Lafleur" userId="a0e371033217b6e9" providerId="LiveId" clId="{FE1DD21D-047C-4DA7-8548-ABB0D482636F}"/>
     <pc:docChg chg="undo redo custSel addSld modSld">
-      <pc:chgData name="Lars Lafleur" userId="a0e371033217b6e9" providerId="LiveId" clId="{FE1DD21D-047C-4DA7-8548-ABB0D482636F}" dt="2024-07-17T18:18:23.620" v="231" actId="20577"/>
+      <pc:chgData name="Lars Lafleur" userId="a0e371033217b6e9" providerId="LiveId" clId="{FE1DD21D-047C-4DA7-8548-ABB0D482636F}" dt="2024-07-17T19:43:47.719" v="238" actId="14100"/>
       <pc:docMkLst>
         <pc:docMk/>
       </pc:docMkLst>
       <pc:sldChg chg="addSp delSp modSp mod">
-        <pc:chgData name="Lars Lafleur" userId="a0e371033217b6e9" providerId="LiveId" clId="{FE1DD21D-047C-4DA7-8548-ABB0D482636F}" dt="2024-07-17T18:18:23.620" v="231" actId="20577"/>
+        <pc:chgData name="Lars Lafleur" userId="a0e371033217b6e9" providerId="LiveId" clId="{FE1DD21D-047C-4DA7-8548-ABB0D482636F}" dt="2024-07-17T19:43:47.719" v="238" actId="14100"/>
         <pc:sldMkLst>
           <pc:docMk/>
           <pc:sldMk cId="4226524386" sldId="259"/>
@@ -360,7 +360,7 @@
           </ac:spMkLst>
         </pc:spChg>
         <pc:spChg chg="add del mod">
-          <ac:chgData name="Lars Lafleur" userId="a0e371033217b6e9" providerId="LiveId" clId="{FE1DD21D-047C-4DA7-8548-ABB0D482636F}" dt="2024-07-17T18:15:07.942" v="226" actId="1076"/>
+          <ac:chgData name="Lars Lafleur" userId="a0e371033217b6e9" providerId="LiveId" clId="{FE1DD21D-047C-4DA7-8548-ABB0D482636F}" dt="2024-07-17T19:42:49.772" v="235" actId="13926"/>
           <ac:spMkLst>
             <pc:docMk/>
             <pc:sldMk cId="4226524386" sldId="259"/>
@@ -384,7 +384,7 @@
           </ac:spMkLst>
         </pc:spChg>
         <pc:graphicFrameChg chg="mod">
-          <ac:chgData name="Lars Lafleur" userId="a0e371033217b6e9" providerId="LiveId" clId="{FE1DD21D-047C-4DA7-8548-ABB0D482636F}" dt="2024-07-17T18:15:15.497" v="227" actId="1076"/>
+          <ac:chgData name="Lars Lafleur" userId="a0e371033217b6e9" providerId="LiveId" clId="{FE1DD21D-047C-4DA7-8548-ABB0D482636F}" dt="2024-07-17T19:43:47.719" v="238" actId="14100"/>
           <ac:graphicFrameMkLst>
             <pc:docMk/>
             <pc:sldMk cId="4226524386" sldId="259"/>
@@ -13699,13 +13699,13 @@
             <p:ph idx="1"/>
             <p:extLst>
               <p:ext uri="{D42A27DB-BD31-4B8C-83A1-F6EECF244321}">
-                <p14:modId xmlns:p14="http://schemas.microsoft.com/office/powerpoint/2010/main" val="3789143070"/>
+                <p14:modId xmlns:p14="http://schemas.microsoft.com/office/powerpoint/2010/main" val="3891459854"/>
               </p:ext>
             </p:extLst>
           </p:nvPr>
         </p:nvGraphicFramePr>
         <p:xfrm>
-          <a:off x="871108" y="3050081"/>
+          <a:off x="877824" y="2986875"/>
           <a:ext cx="10442575" cy="1492494"/>
         </p:xfrm>
         <a:graphic>
@@ -14217,11 +14217,11 @@
                   <a:srgbClr val="FF5050"/>
                 </a:highlight>
               </a:rPr>
-              <a:t>Artificial Intelligence: A Modern Approach </a:t>
+              <a:t>Artificial Intelligence: A Modern Approach</a:t>
             </a:r>
             <a:r>
               <a:rPr lang="de-DE" sz="2400" b="1" dirty="0"/>
-              <a:t>(</a:t>
+              <a:t> (</a:t>
             </a:r>
             <a:r>
               <a:rPr lang="de-DE" sz="2400" b="1" dirty="0">
